--- a/docker/Docker.pptx
+++ b/docker/Docker.pptx
@@ -3738,6 +3738,816 @@
           </a:p>
         </p:txBody>
       </p:sp>
+      <p:sp>
+        <p:nvSpPr>
+          <p:cNvPr id="203" name="Child at Play"/>
+          <p:cNvSpPr/>
+          <p:nvPr/>
+        </p:nvSpPr>
+        <p:spPr>
+          <a:xfrm>
+            <a:off x="10560297" y="4066803"/>
+            <a:ext cx="1053606" cy="1429494"/>
+          </a:xfrm>
+          <a:custGeom>
+            <a:avLst/>
+            <a:gdLst/>
+            <a:ahLst/>
+            <a:cxnLst>
+              <a:cxn ang="0">
+                <a:pos x="wd2" y="hd2"/>
+              </a:cxn>
+              <a:cxn ang="5400000">
+                <a:pos x="wd2" y="hd2"/>
+              </a:cxn>
+              <a:cxn ang="10800000">
+                <a:pos x="wd2" y="hd2"/>
+              </a:cxn>
+              <a:cxn ang="16200000">
+                <a:pos x="wd2" y="hd2"/>
+              </a:cxn>
+            </a:cxnLst>
+            <a:rect l="0" t="0" r="r" b="b"/>
+            <a:pathLst>
+              <a:path w="21386" h="21580" fill="norm" stroke="1" extrusionOk="0">
+                <a:moveTo>
+                  <a:pt x="12654" y="1"/>
+                </a:moveTo>
+                <a:cubicBezTo>
+                  <a:pt x="12170" y="-5"/>
+                  <a:pt x="12012" y="52"/>
+                  <a:pt x="12012" y="52"/>
+                </a:cubicBezTo>
+                <a:lnTo>
+                  <a:pt x="11943" y="80"/>
+                </a:lnTo>
+                <a:cubicBezTo>
+                  <a:pt x="11837" y="63"/>
+                  <a:pt x="11641" y="46"/>
+                  <a:pt x="11256" y="141"/>
+                </a:cubicBezTo>
+                <a:cubicBezTo>
+                  <a:pt x="10863" y="259"/>
+                  <a:pt x="9776" y="725"/>
+                  <a:pt x="10033" y="2169"/>
+                </a:cubicBezTo>
+                <a:cubicBezTo>
+                  <a:pt x="10162" y="2894"/>
+                  <a:pt x="10621" y="3103"/>
+                  <a:pt x="11074" y="3479"/>
+                </a:cubicBezTo>
+                <a:cubicBezTo>
+                  <a:pt x="11278" y="3648"/>
+                  <a:pt x="11369" y="3856"/>
+                  <a:pt x="11369" y="3901"/>
+                </a:cubicBezTo>
+                <a:cubicBezTo>
+                  <a:pt x="11362" y="4080"/>
+                  <a:pt x="11332" y="4188"/>
+                  <a:pt x="11294" y="4261"/>
+                </a:cubicBezTo>
+                <a:cubicBezTo>
+                  <a:pt x="11165" y="4244"/>
+                  <a:pt x="11082" y="4192"/>
+                  <a:pt x="10923" y="4271"/>
+                </a:cubicBezTo>
+                <a:cubicBezTo>
+                  <a:pt x="10908" y="4277"/>
+                  <a:pt x="10856" y="4322"/>
+                  <a:pt x="10803" y="4373"/>
+                </a:cubicBezTo>
+                <a:cubicBezTo>
+                  <a:pt x="10621" y="4435"/>
+                  <a:pt x="8906" y="5227"/>
+                  <a:pt x="7290" y="6503"/>
+                </a:cubicBezTo>
+                <a:cubicBezTo>
+                  <a:pt x="7282" y="6509"/>
+                  <a:pt x="7282" y="6508"/>
+                  <a:pt x="7282" y="6513"/>
+                </a:cubicBezTo>
+                <a:cubicBezTo>
+                  <a:pt x="7260" y="6525"/>
+                  <a:pt x="7245" y="6541"/>
+                  <a:pt x="7245" y="6547"/>
+                </a:cubicBezTo>
+                <a:cubicBezTo>
+                  <a:pt x="7177" y="6609"/>
+                  <a:pt x="6503" y="7013"/>
+                  <a:pt x="6466" y="7249"/>
+                </a:cubicBezTo>
+                <a:cubicBezTo>
+                  <a:pt x="6435" y="7485"/>
+                  <a:pt x="6595" y="8176"/>
+                  <a:pt x="6791" y="8794"/>
+                </a:cubicBezTo>
+                <a:cubicBezTo>
+                  <a:pt x="7026" y="9519"/>
+                  <a:pt x="7463" y="10352"/>
+                  <a:pt x="7441" y="10610"/>
+                </a:cubicBezTo>
+                <a:cubicBezTo>
+                  <a:pt x="7433" y="10683"/>
+                  <a:pt x="7312" y="10986"/>
+                  <a:pt x="7372" y="11126"/>
+                </a:cubicBezTo>
+                <a:cubicBezTo>
+                  <a:pt x="7486" y="11385"/>
+                  <a:pt x="7843" y="11492"/>
+                  <a:pt x="7835" y="11627"/>
+                </a:cubicBezTo>
+                <a:cubicBezTo>
+                  <a:pt x="7820" y="11818"/>
+                  <a:pt x="7901" y="11914"/>
+                  <a:pt x="8014" y="11959"/>
+                </a:cubicBezTo>
+                <a:cubicBezTo>
+                  <a:pt x="8007" y="12195"/>
+                  <a:pt x="8007" y="12391"/>
+                  <a:pt x="8007" y="12470"/>
+                </a:cubicBezTo>
+                <a:cubicBezTo>
+                  <a:pt x="8015" y="12565"/>
+                  <a:pt x="8037" y="13133"/>
+                  <a:pt x="8014" y="13228"/>
+                </a:cubicBezTo>
+                <a:cubicBezTo>
+                  <a:pt x="7818" y="14251"/>
+                  <a:pt x="7221" y="14958"/>
+                  <a:pt x="7183" y="15009"/>
+                </a:cubicBezTo>
+                <a:cubicBezTo>
+                  <a:pt x="7146" y="15059"/>
+                  <a:pt x="7078" y="15168"/>
+                  <a:pt x="7101" y="15212"/>
+                </a:cubicBezTo>
+                <a:cubicBezTo>
+                  <a:pt x="7154" y="15308"/>
+                  <a:pt x="7327" y="15381"/>
+                  <a:pt x="7478" y="15465"/>
+                </a:cubicBezTo>
+                <a:cubicBezTo>
+                  <a:pt x="7539" y="15499"/>
+                  <a:pt x="7646" y="15550"/>
+                  <a:pt x="7766" y="15606"/>
+                </a:cubicBezTo>
+                <a:lnTo>
+                  <a:pt x="7743" y="15667"/>
+                </a:lnTo>
+                <a:cubicBezTo>
+                  <a:pt x="7728" y="15701"/>
+                  <a:pt x="7691" y="15728"/>
+                  <a:pt x="7646" y="15734"/>
+                </a:cubicBezTo>
+                <a:cubicBezTo>
+                  <a:pt x="7072" y="15796"/>
+                  <a:pt x="6535" y="15835"/>
+                  <a:pt x="5833" y="16020"/>
+                </a:cubicBezTo>
+                <a:cubicBezTo>
+                  <a:pt x="4548" y="16363"/>
+                  <a:pt x="3966" y="16757"/>
+                  <a:pt x="2629" y="17077"/>
+                </a:cubicBezTo>
+                <a:cubicBezTo>
+                  <a:pt x="2606" y="17066"/>
+                  <a:pt x="2584" y="17055"/>
+                  <a:pt x="2553" y="17044"/>
+                </a:cubicBezTo>
+                <a:cubicBezTo>
+                  <a:pt x="2508" y="17033"/>
+                  <a:pt x="2440" y="17044"/>
+                  <a:pt x="2440" y="17044"/>
+                </a:cubicBezTo>
+                <a:cubicBezTo>
+                  <a:pt x="2228" y="16903"/>
+                  <a:pt x="2161" y="16881"/>
+                  <a:pt x="1829" y="16824"/>
+                </a:cubicBezTo>
+                <a:cubicBezTo>
+                  <a:pt x="1564" y="16785"/>
+                  <a:pt x="1283" y="16824"/>
+                  <a:pt x="1283" y="16824"/>
+                </a:cubicBezTo>
+                <a:cubicBezTo>
+                  <a:pt x="1124" y="16785"/>
+                  <a:pt x="1005" y="16752"/>
+                  <a:pt x="853" y="16791"/>
+                </a:cubicBezTo>
+                <a:cubicBezTo>
+                  <a:pt x="612" y="16864"/>
+                  <a:pt x="557" y="16942"/>
+                  <a:pt x="497" y="17077"/>
+                </a:cubicBezTo>
+                <a:lnTo>
+                  <a:pt x="317" y="17453"/>
+                </a:lnTo>
+                <a:cubicBezTo>
+                  <a:pt x="257" y="17588"/>
+                  <a:pt x="263" y="17728"/>
+                  <a:pt x="339" y="17846"/>
+                </a:cubicBezTo>
+                <a:cubicBezTo>
+                  <a:pt x="392" y="17964"/>
+                  <a:pt x="437" y="18112"/>
+                  <a:pt x="369" y="18303"/>
+                </a:cubicBezTo>
+                <a:cubicBezTo>
+                  <a:pt x="301" y="18500"/>
+                  <a:pt x="150" y="18442"/>
+                  <a:pt x="29" y="18881"/>
+                </a:cubicBezTo>
+                <a:cubicBezTo>
+                  <a:pt x="-99" y="19319"/>
+                  <a:pt x="233" y="20005"/>
+                  <a:pt x="263" y="20083"/>
+                </a:cubicBezTo>
+                <a:cubicBezTo>
+                  <a:pt x="301" y="20162"/>
+                  <a:pt x="565" y="20382"/>
+                  <a:pt x="905" y="20270"/>
+                </a:cubicBezTo>
+                <a:cubicBezTo>
+                  <a:pt x="1238" y="20157"/>
+                  <a:pt x="1133" y="19785"/>
+                  <a:pt x="1269" y="19476"/>
+                </a:cubicBezTo>
+                <a:cubicBezTo>
+                  <a:pt x="1405" y="19167"/>
+                  <a:pt x="1608" y="19060"/>
+                  <a:pt x="1699" y="18853"/>
+                </a:cubicBezTo>
+                <a:cubicBezTo>
+                  <a:pt x="1827" y="18577"/>
+                  <a:pt x="2727" y="18365"/>
+                  <a:pt x="2818" y="18106"/>
+                </a:cubicBezTo>
+                <a:cubicBezTo>
+                  <a:pt x="3717" y="17898"/>
+                  <a:pt x="5400" y="17678"/>
+                  <a:pt x="6126" y="17537"/>
+                </a:cubicBezTo>
+                <a:cubicBezTo>
+                  <a:pt x="6904" y="17391"/>
+                  <a:pt x="8808" y="17016"/>
+                  <a:pt x="8808" y="17016"/>
+                </a:cubicBezTo>
+                <a:cubicBezTo>
+                  <a:pt x="8921" y="16993"/>
+                  <a:pt x="9029" y="16954"/>
+                  <a:pt x="9119" y="16909"/>
+                </a:cubicBezTo>
+                <a:cubicBezTo>
+                  <a:pt x="9263" y="16841"/>
+                  <a:pt x="9459" y="16628"/>
+                  <a:pt x="9466" y="16622"/>
+                </a:cubicBezTo>
+                <a:lnTo>
+                  <a:pt x="9752" y="16319"/>
+                </a:lnTo>
+                <a:cubicBezTo>
+                  <a:pt x="9858" y="16347"/>
+                  <a:pt x="10192" y="16240"/>
+                  <a:pt x="10260" y="16155"/>
+                </a:cubicBezTo>
+                <a:cubicBezTo>
+                  <a:pt x="10592" y="15734"/>
+                  <a:pt x="11468" y="14549"/>
+                  <a:pt x="11521" y="14487"/>
+                </a:cubicBezTo>
+                <a:cubicBezTo>
+                  <a:pt x="11573" y="14431"/>
+                  <a:pt x="11642" y="14357"/>
+                  <a:pt x="11740" y="14419"/>
+                </a:cubicBezTo>
+                <a:cubicBezTo>
+                  <a:pt x="11793" y="14452"/>
+                  <a:pt x="12141" y="14712"/>
+                  <a:pt x="12715" y="15162"/>
+                </a:cubicBezTo>
+                <a:cubicBezTo>
+                  <a:pt x="13463" y="15752"/>
+                  <a:pt x="14006" y="15959"/>
+                  <a:pt x="14059" y="15982"/>
+                </a:cubicBezTo>
+                <a:cubicBezTo>
+                  <a:pt x="14263" y="16060"/>
+                  <a:pt x="14702" y="15505"/>
+                  <a:pt x="14831" y="15353"/>
+                </a:cubicBezTo>
+                <a:lnTo>
+                  <a:pt x="14861" y="15363"/>
+                </a:lnTo>
+                <a:cubicBezTo>
+                  <a:pt x="14907" y="15380"/>
+                  <a:pt x="14928" y="15419"/>
+                  <a:pt x="14920" y="15453"/>
+                </a:cubicBezTo>
+                <a:cubicBezTo>
+                  <a:pt x="14822" y="15846"/>
+                  <a:pt x="14823" y="16437"/>
+                  <a:pt x="15020" y="17039"/>
+                </a:cubicBezTo>
+                <a:cubicBezTo>
+                  <a:pt x="15352" y="18033"/>
+                  <a:pt x="16053" y="18713"/>
+                  <a:pt x="16212" y="18921"/>
+                </a:cubicBezTo>
+                <a:cubicBezTo>
+                  <a:pt x="16439" y="19213"/>
+                  <a:pt x="16568" y="19657"/>
+                  <a:pt x="16568" y="19657"/>
+                </a:cubicBezTo>
+                <a:cubicBezTo>
+                  <a:pt x="16629" y="19859"/>
+                  <a:pt x="16651" y="19982"/>
+                  <a:pt x="16651" y="19971"/>
+                </a:cubicBezTo>
+                <a:cubicBezTo>
+                  <a:pt x="16659" y="19982"/>
+                  <a:pt x="16658" y="20006"/>
+                  <a:pt x="16665" y="20017"/>
+                </a:cubicBezTo>
+                <a:cubicBezTo>
+                  <a:pt x="16665" y="20028"/>
+                  <a:pt x="16650" y="20028"/>
+                  <a:pt x="16627" y="20050"/>
+                </a:cubicBezTo>
+                <a:cubicBezTo>
+                  <a:pt x="16582" y="20078"/>
+                  <a:pt x="16590" y="20111"/>
+                  <a:pt x="16620" y="20178"/>
+                </a:cubicBezTo>
+                <a:cubicBezTo>
+                  <a:pt x="16628" y="20190"/>
+                  <a:pt x="16599" y="20207"/>
+                  <a:pt x="16561" y="20280"/>
+                </a:cubicBezTo>
+                <a:cubicBezTo>
+                  <a:pt x="16523" y="20353"/>
+                  <a:pt x="16561" y="20668"/>
+                  <a:pt x="16599" y="20809"/>
+                </a:cubicBezTo>
+                <a:cubicBezTo>
+                  <a:pt x="16637" y="20932"/>
+                  <a:pt x="16778" y="21134"/>
+                  <a:pt x="16816" y="21184"/>
+                </a:cubicBezTo>
+                <a:cubicBezTo>
+                  <a:pt x="16824" y="21190"/>
+                  <a:pt x="16826" y="21202"/>
+                  <a:pt x="16826" y="21207"/>
+                </a:cubicBezTo>
+                <a:cubicBezTo>
+                  <a:pt x="16856" y="21331"/>
+                  <a:pt x="16901" y="21437"/>
+                  <a:pt x="17015" y="21499"/>
+                </a:cubicBezTo>
+                <a:cubicBezTo>
+                  <a:pt x="17135" y="21566"/>
+                  <a:pt x="17354" y="21595"/>
+                  <a:pt x="17551" y="21573"/>
+                </a:cubicBezTo>
+                <a:lnTo>
+                  <a:pt x="18025" y="21499"/>
+                </a:lnTo>
+                <a:cubicBezTo>
+                  <a:pt x="18222" y="21471"/>
+                  <a:pt x="18389" y="21386"/>
+                  <a:pt x="18495" y="21274"/>
+                </a:cubicBezTo>
+                <a:cubicBezTo>
+                  <a:pt x="18616" y="21178"/>
+                  <a:pt x="18766" y="21066"/>
+                  <a:pt x="19038" y="21016"/>
+                </a:cubicBezTo>
+                <a:cubicBezTo>
+                  <a:pt x="19310" y="20960"/>
+                  <a:pt x="19326" y="21090"/>
+                  <a:pt x="19930" y="20944"/>
+                </a:cubicBezTo>
+                <a:cubicBezTo>
+                  <a:pt x="20535" y="20798"/>
+                  <a:pt x="21198" y="20219"/>
+                  <a:pt x="21274" y="20157"/>
+                </a:cubicBezTo>
+                <a:cubicBezTo>
+                  <a:pt x="21372" y="20118"/>
+                  <a:pt x="21501" y="19820"/>
+                  <a:pt x="21191" y="19652"/>
+                </a:cubicBezTo>
+                <a:cubicBezTo>
+                  <a:pt x="20874" y="19483"/>
+                  <a:pt x="20481" y="19747"/>
+                  <a:pt x="20027" y="19820"/>
+                </a:cubicBezTo>
+                <a:cubicBezTo>
+                  <a:pt x="19581" y="19888"/>
+                  <a:pt x="19302" y="19781"/>
+                  <a:pt x="19000" y="19764"/>
+                </a:cubicBezTo>
+                <a:cubicBezTo>
+                  <a:pt x="18698" y="19753"/>
+                  <a:pt x="18284" y="19567"/>
+                  <a:pt x="18186" y="19539"/>
+                </a:cubicBezTo>
+                <a:cubicBezTo>
+                  <a:pt x="18163" y="19528"/>
+                  <a:pt x="18133" y="19527"/>
+                  <a:pt x="18110" y="19527"/>
+                </a:cubicBezTo>
+                <a:cubicBezTo>
+                  <a:pt x="18050" y="19527"/>
+                  <a:pt x="18002" y="19499"/>
+                  <a:pt x="17987" y="19460"/>
+                </a:cubicBezTo>
+                <a:cubicBezTo>
+                  <a:pt x="17882" y="19067"/>
+                  <a:pt x="17452" y="17460"/>
+                  <a:pt x="17362" y="17156"/>
+                </a:cubicBezTo>
+                <a:cubicBezTo>
+                  <a:pt x="17127" y="16386"/>
+                  <a:pt x="16704" y="15514"/>
+                  <a:pt x="16689" y="15430"/>
+                </a:cubicBezTo>
+                <a:cubicBezTo>
+                  <a:pt x="16659" y="15262"/>
+                  <a:pt x="16710" y="15077"/>
+                  <a:pt x="16703" y="14881"/>
+                </a:cubicBezTo>
+                <a:cubicBezTo>
+                  <a:pt x="16695" y="14813"/>
+                  <a:pt x="16667" y="14521"/>
+                  <a:pt x="16455" y="14370"/>
+                </a:cubicBezTo>
+                <a:lnTo>
+                  <a:pt x="16349" y="14278"/>
+                </a:lnTo>
+                <a:cubicBezTo>
+                  <a:pt x="16364" y="14233"/>
+                  <a:pt x="16122" y="13919"/>
+                  <a:pt x="16084" y="13880"/>
+                </a:cubicBezTo>
+                <a:cubicBezTo>
+                  <a:pt x="15722" y="13526"/>
+                  <a:pt x="15215" y="13094"/>
+                  <a:pt x="14580" y="12600"/>
+                </a:cubicBezTo>
+                <a:cubicBezTo>
+                  <a:pt x="14074" y="12206"/>
+                  <a:pt x="13614" y="11885"/>
+                  <a:pt x="13282" y="11660"/>
+                </a:cubicBezTo>
+                <a:cubicBezTo>
+                  <a:pt x="13357" y="11632"/>
+                  <a:pt x="13991" y="11515"/>
+                  <a:pt x="14014" y="11425"/>
+                </a:cubicBezTo>
+                <a:cubicBezTo>
+                  <a:pt x="14014" y="11425"/>
+                  <a:pt x="14014" y="11199"/>
+                  <a:pt x="14044" y="10227"/>
+                </a:cubicBezTo>
+                <a:cubicBezTo>
+                  <a:pt x="14082" y="8974"/>
+                  <a:pt x="14233" y="8575"/>
+                  <a:pt x="14233" y="8575"/>
+                </a:cubicBezTo>
+                <a:cubicBezTo>
+                  <a:pt x="14256" y="8496"/>
+                  <a:pt x="14400" y="8481"/>
+                  <a:pt x="14453" y="8554"/>
+                </a:cubicBezTo>
+                <a:lnTo>
+                  <a:pt x="14543" y="8687"/>
+                </a:lnTo>
+                <a:cubicBezTo>
+                  <a:pt x="14573" y="8732"/>
+                  <a:pt x="14618" y="8778"/>
+                  <a:pt x="14663" y="8812"/>
+                </a:cubicBezTo>
+                <a:cubicBezTo>
+                  <a:pt x="14671" y="8818"/>
+                  <a:pt x="14679" y="8829"/>
+                  <a:pt x="14687" y="8840"/>
+                </a:cubicBezTo>
+                <a:cubicBezTo>
+                  <a:pt x="14785" y="9026"/>
+                  <a:pt x="15102" y="9121"/>
+                  <a:pt x="15411" y="9065"/>
+                </a:cubicBezTo>
+                <a:cubicBezTo>
+                  <a:pt x="15411" y="9065"/>
+                  <a:pt x="16417" y="8930"/>
+                  <a:pt x="17211" y="8789"/>
+                </a:cubicBezTo>
+                <a:cubicBezTo>
+                  <a:pt x="17755" y="8694"/>
+                  <a:pt x="18941" y="8418"/>
+                  <a:pt x="19175" y="8368"/>
+                </a:cubicBezTo>
+                <a:cubicBezTo>
+                  <a:pt x="19296" y="8323"/>
+                  <a:pt x="19461" y="8345"/>
+                  <a:pt x="19491" y="8345"/>
+                </a:cubicBezTo>
+                <a:cubicBezTo>
+                  <a:pt x="19665" y="8345"/>
+                  <a:pt x="19878" y="8316"/>
+                  <a:pt x="19999" y="8294"/>
+                </a:cubicBezTo>
+                <a:cubicBezTo>
+                  <a:pt x="19999" y="8294"/>
+                  <a:pt x="20383" y="8205"/>
+                  <a:pt x="20473" y="8171"/>
+                </a:cubicBezTo>
+                <a:cubicBezTo>
+                  <a:pt x="20829" y="8076"/>
+                  <a:pt x="20693" y="7857"/>
+                  <a:pt x="20700" y="7655"/>
+                </a:cubicBezTo>
+                <a:cubicBezTo>
+                  <a:pt x="20708" y="7458"/>
+                  <a:pt x="20669" y="7300"/>
+                  <a:pt x="20669" y="7300"/>
+                </a:cubicBezTo>
+                <a:cubicBezTo>
+                  <a:pt x="20669" y="7300"/>
+                  <a:pt x="20730" y="7137"/>
+                  <a:pt x="20625" y="7047"/>
+                </a:cubicBezTo>
+                <a:cubicBezTo>
+                  <a:pt x="20511" y="6952"/>
+                  <a:pt x="19998" y="7081"/>
+                  <a:pt x="19635" y="7126"/>
+                </a:cubicBezTo>
+                <a:cubicBezTo>
+                  <a:pt x="19605" y="7138"/>
+                  <a:pt x="19508" y="7160"/>
+                  <a:pt x="19470" y="7160"/>
+                </a:cubicBezTo>
+                <a:cubicBezTo>
+                  <a:pt x="19311" y="7154"/>
+                  <a:pt x="19190" y="7170"/>
+                  <a:pt x="19144" y="7254"/>
+                </a:cubicBezTo>
+                <a:cubicBezTo>
+                  <a:pt x="19061" y="7316"/>
+                  <a:pt x="19015" y="7575"/>
+                  <a:pt x="18962" y="7620"/>
+                </a:cubicBezTo>
+                <a:cubicBezTo>
+                  <a:pt x="18864" y="7743"/>
+                  <a:pt x="18329" y="7728"/>
+                  <a:pt x="17022" y="7801"/>
+                </a:cubicBezTo>
+                <a:cubicBezTo>
+                  <a:pt x="16531" y="7823"/>
+                  <a:pt x="16063" y="7834"/>
+                  <a:pt x="15881" y="7839"/>
+                </a:cubicBezTo>
+                <a:cubicBezTo>
+                  <a:pt x="15836" y="7839"/>
+                  <a:pt x="15791" y="7823"/>
+                  <a:pt x="15768" y="7795"/>
+                </a:cubicBezTo>
+                <a:lnTo>
+                  <a:pt x="15397" y="7261"/>
+                </a:lnTo>
+                <a:cubicBezTo>
+                  <a:pt x="15337" y="7132"/>
+                  <a:pt x="15313" y="6907"/>
+                  <a:pt x="14927" y="6222"/>
+                </a:cubicBezTo>
+                <a:cubicBezTo>
+                  <a:pt x="14897" y="6177"/>
+                  <a:pt x="14528" y="5181"/>
+                  <a:pt x="14415" y="5030"/>
+                </a:cubicBezTo>
+                <a:cubicBezTo>
+                  <a:pt x="14370" y="4973"/>
+                  <a:pt x="14362" y="4883"/>
+                  <a:pt x="14113" y="4726"/>
+                </a:cubicBezTo>
+                <a:cubicBezTo>
+                  <a:pt x="13947" y="4625"/>
+                  <a:pt x="13598" y="4608"/>
+                  <a:pt x="13379" y="4614"/>
+                </a:cubicBezTo>
+                <a:cubicBezTo>
+                  <a:pt x="13348" y="4546"/>
+                  <a:pt x="13343" y="4469"/>
+                  <a:pt x="13388" y="4424"/>
+                </a:cubicBezTo>
+                <a:cubicBezTo>
+                  <a:pt x="13464" y="4345"/>
+                  <a:pt x="13667" y="4389"/>
+                  <a:pt x="13931" y="4417"/>
+                </a:cubicBezTo>
+                <a:cubicBezTo>
+                  <a:pt x="14075" y="4434"/>
+                  <a:pt x="14474" y="4452"/>
+                  <a:pt x="14587" y="4429"/>
+                </a:cubicBezTo>
+                <a:cubicBezTo>
+                  <a:pt x="14731" y="4401"/>
+                  <a:pt x="14837" y="4311"/>
+                  <a:pt x="14852" y="4227"/>
+                </a:cubicBezTo>
+                <a:cubicBezTo>
+                  <a:pt x="14859" y="4171"/>
+                  <a:pt x="14867" y="4098"/>
+                  <a:pt x="14890" y="4059"/>
+                </a:cubicBezTo>
+                <a:cubicBezTo>
+                  <a:pt x="14935" y="3986"/>
+                  <a:pt x="15058" y="3957"/>
+                  <a:pt x="15126" y="3946"/>
+                </a:cubicBezTo>
+                <a:cubicBezTo>
+                  <a:pt x="15269" y="3924"/>
+                  <a:pt x="15177" y="3799"/>
+                  <a:pt x="15154" y="3760"/>
+                </a:cubicBezTo>
+                <a:cubicBezTo>
+                  <a:pt x="15124" y="3715"/>
+                  <a:pt x="15185" y="3704"/>
+                  <a:pt x="15223" y="3681"/>
+                </a:cubicBezTo>
+                <a:cubicBezTo>
+                  <a:pt x="15260" y="3664"/>
+                  <a:pt x="15298" y="3631"/>
+                  <a:pt x="15298" y="3592"/>
+                </a:cubicBezTo>
+                <a:cubicBezTo>
+                  <a:pt x="15306" y="3558"/>
+                  <a:pt x="15261" y="3552"/>
+                  <a:pt x="15246" y="3456"/>
+                </a:cubicBezTo>
+                <a:cubicBezTo>
+                  <a:pt x="15239" y="3411"/>
+                  <a:pt x="15209" y="3350"/>
+                  <a:pt x="15277" y="3339"/>
+                </a:cubicBezTo>
+                <a:cubicBezTo>
+                  <a:pt x="15315" y="3333"/>
+                  <a:pt x="15458" y="3311"/>
+                  <a:pt x="15511" y="3216"/>
+                </a:cubicBezTo>
+                <a:cubicBezTo>
+                  <a:pt x="15556" y="3120"/>
+                  <a:pt x="15480" y="3025"/>
+                  <a:pt x="15442" y="2991"/>
+                </a:cubicBezTo>
+                <a:cubicBezTo>
+                  <a:pt x="15412" y="2963"/>
+                  <a:pt x="15351" y="2894"/>
+                  <a:pt x="15336" y="2872"/>
+                </a:cubicBezTo>
+                <a:cubicBezTo>
+                  <a:pt x="15313" y="2849"/>
+                  <a:pt x="15245" y="2794"/>
+                  <a:pt x="15230" y="2766"/>
+                </a:cubicBezTo>
+                <a:cubicBezTo>
+                  <a:pt x="15215" y="2744"/>
+                  <a:pt x="15171" y="2664"/>
+                  <a:pt x="15164" y="2619"/>
+                </a:cubicBezTo>
+                <a:cubicBezTo>
+                  <a:pt x="15156" y="2574"/>
+                  <a:pt x="15139" y="2558"/>
+                  <a:pt x="15192" y="2468"/>
+                </a:cubicBezTo>
+                <a:cubicBezTo>
+                  <a:pt x="15237" y="2378"/>
+                  <a:pt x="15275" y="2327"/>
+                  <a:pt x="15298" y="2276"/>
+                </a:cubicBezTo>
+                <a:cubicBezTo>
+                  <a:pt x="15321" y="2231"/>
+                  <a:pt x="15366" y="2108"/>
+                  <a:pt x="15374" y="2023"/>
+                </a:cubicBezTo>
+                <a:cubicBezTo>
+                  <a:pt x="15381" y="1945"/>
+                  <a:pt x="15397" y="1838"/>
+                  <a:pt x="15329" y="1658"/>
+                </a:cubicBezTo>
+                <a:cubicBezTo>
+                  <a:pt x="15268" y="1507"/>
+                  <a:pt x="15179" y="1422"/>
+                  <a:pt x="15126" y="1377"/>
+                </a:cubicBezTo>
+                <a:cubicBezTo>
+                  <a:pt x="15133" y="1372"/>
+                  <a:pt x="15359" y="1175"/>
+                  <a:pt x="15253" y="1035"/>
+                </a:cubicBezTo>
+                <a:cubicBezTo>
+                  <a:pt x="15193" y="951"/>
+                  <a:pt x="15058" y="765"/>
+                  <a:pt x="14710" y="642"/>
+                </a:cubicBezTo>
+                <a:cubicBezTo>
+                  <a:pt x="14272" y="484"/>
+                  <a:pt x="14036" y="12"/>
+                  <a:pt x="12654" y="1"/>
+                </a:cubicBezTo>
+                <a:close/>
+                <a:moveTo>
+                  <a:pt x="9242" y="7253"/>
+                </a:moveTo>
+                <a:cubicBezTo>
+                  <a:pt x="9253" y="7258"/>
+                  <a:pt x="9254" y="7271"/>
+                  <a:pt x="9247" y="7283"/>
+                </a:cubicBezTo>
+                <a:cubicBezTo>
+                  <a:pt x="9111" y="7569"/>
+                  <a:pt x="9034" y="7743"/>
+                  <a:pt x="8883" y="8182"/>
+                </a:cubicBezTo>
+                <a:cubicBezTo>
+                  <a:pt x="8709" y="8710"/>
+                  <a:pt x="8657" y="9526"/>
+                  <a:pt x="8650" y="9987"/>
+                </a:cubicBezTo>
+                <a:cubicBezTo>
+                  <a:pt x="8657" y="10088"/>
+                  <a:pt x="8507" y="10412"/>
+                  <a:pt x="8402" y="10373"/>
+                </a:cubicBezTo>
+                <a:cubicBezTo>
+                  <a:pt x="8371" y="10328"/>
+                  <a:pt x="8333" y="10284"/>
+                  <a:pt x="8333" y="10273"/>
+                </a:cubicBezTo>
+                <a:cubicBezTo>
+                  <a:pt x="8333" y="10222"/>
+                  <a:pt x="8128" y="9610"/>
+                  <a:pt x="8203" y="8840"/>
+                </a:cubicBezTo>
+                <a:cubicBezTo>
+                  <a:pt x="8264" y="8289"/>
+                  <a:pt x="8136" y="7879"/>
+                  <a:pt x="8114" y="7727"/>
+                </a:cubicBezTo>
+                <a:cubicBezTo>
+                  <a:pt x="8114" y="7721"/>
+                  <a:pt x="8128" y="7699"/>
+                  <a:pt x="8158" y="7671"/>
+                </a:cubicBezTo>
+                <a:cubicBezTo>
+                  <a:pt x="8234" y="7755"/>
+                  <a:pt x="8296" y="7817"/>
+                  <a:pt x="8326" y="7839"/>
+                </a:cubicBezTo>
+                <a:cubicBezTo>
+                  <a:pt x="8402" y="7912"/>
+                  <a:pt x="8468" y="7844"/>
+                  <a:pt x="8468" y="7844"/>
+                </a:cubicBezTo>
+                <a:cubicBezTo>
+                  <a:pt x="8468" y="7844"/>
+                  <a:pt x="9170" y="7289"/>
+                  <a:pt x="9185" y="7272"/>
+                </a:cubicBezTo>
+                <a:cubicBezTo>
+                  <a:pt x="9212" y="7250"/>
+                  <a:pt x="9232" y="7247"/>
+                  <a:pt x="9242" y="7253"/>
+                </a:cubicBezTo>
+                <a:close/>
+              </a:path>
+            </a:pathLst>
+          </a:custGeom>
+          <a:solidFill>
+            <a:schemeClr val="accent1"/>
+          </a:solidFill>
+          <a:ln w="12700">
+            <a:miter lim="400000"/>
+          </a:ln>
+        </p:spPr>
+        <p:txBody>
+          <a:bodyPr lIns="50800" tIns="50800" rIns="50800" bIns="50800" anchor="ctr"/>
+          <a:lstStyle/>
+          <a:p>
+            <a:pPr>
+              <a:defRPr b="0" sz="2200">
+                <a:solidFill>
+                  <a:srgbClr val="FFFFFF"/>
+                </a:solidFill>
+                <a:latin typeface="+mn-lt"/>
+                <a:ea typeface="+mn-ea"/>
+                <a:cs typeface="+mn-cs"/>
+                <a:sym typeface="Helvetica Neue Medium"/>
+              </a:defRPr>
+            </a:pPr>
+          </a:p>
+        </p:txBody>
+      </p:sp>
     </p:spTree>
   </p:cSld>
   <p:clrMapOvr>
@@ -3766,7 +4576,7 @@
       </p:grpSpPr>
       <p:sp>
         <p:nvSpPr>
-          <p:cNvPr id="204" name="Hands-On"/>
+          <p:cNvPr id="205" name="Hands-On"/>
           <p:cNvSpPr txBox="1"/>
           <p:nvPr/>
         </p:nvSpPr>
@@ -3810,7 +4620,7 @@
       </p:sp>
       <p:sp>
         <p:nvSpPr>
-          <p:cNvPr id="205" name="Line"/>
+          <p:cNvPr id="206" name="Line"/>
           <p:cNvSpPr/>
           <p:nvPr/>
         </p:nvSpPr>
@@ -3852,7 +4662,7 @@
       </p:sp>
       <p:sp>
         <p:nvSpPr>
-          <p:cNvPr id="206" name="Run a container"/>
+          <p:cNvPr id="207" name="Run a container"/>
           <p:cNvSpPr txBox="1"/>
           <p:nvPr/>
         </p:nvSpPr>
@@ -3896,7 +4706,7 @@
       </p:sp>
       <p:sp>
         <p:nvSpPr>
-          <p:cNvPr id="207" name="Remove a container"/>
+          <p:cNvPr id="208" name="Remove a container"/>
           <p:cNvSpPr txBox="1"/>
           <p:nvPr/>
         </p:nvSpPr>
@@ -3940,7 +4750,7 @@
       </p:sp>
       <p:pic>
         <p:nvPicPr>
-          <p:cNvPr id="208" name="docker-logo.png" descr="docker-logo.png"/>
+          <p:cNvPr id="209" name="docker-logo.png" descr="docker-logo.png"/>
           <p:cNvPicPr>
             <a:picLocks noChangeAspect="1"/>
           </p:cNvPicPr>
@@ -3969,7 +4779,7 @@
       </p:pic>
       <p:sp>
         <p:nvSpPr>
-          <p:cNvPr id="209" name="Run Your Container"/>
+          <p:cNvPr id="210" name="Run Your Container"/>
           <p:cNvSpPr txBox="1"/>
           <p:nvPr/>
         </p:nvSpPr>
@@ -4013,7 +4823,7 @@
       </p:sp>
       <p:sp>
         <p:nvSpPr>
-          <p:cNvPr id="210" name="Dockerize a simple shell script"/>
+          <p:cNvPr id="211" name="Dockerize a simple shell script"/>
           <p:cNvSpPr txBox="1"/>
           <p:nvPr/>
         </p:nvSpPr>
@@ -4057,7 +4867,7 @@
       </p:sp>
       <p:sp>
         <p:nvSpPr>
-          <p:cNvPr id="211" name="Build a container"/>
+          <p:cNvPr id="212" name="Build a container"/>
           <p:cNvSpPr txBox="1"/>
           <p:nvPr/>
         </p:nvSpPr>
@@ -4101,7 +4911,7 @@
       </p:sp>
       <p:sp>
         <p:nvSpPr>
-          <p:cNvPr id="212" name="Check docker processes"/>
+          <p:cNvPr id="213" name="Check docker processes"/>
           <p:cNvSpPr txBox="1"/>
           <p:nvPr/>
         </p:nvSpPr>
@@ -4145,7 +4955,7 @@
       </p:sp>
       <p:sp>
         <p:nvSpPr>
-          <p:cNvPr id="213" name="Stop the container"/>
+          <p:cNvPr id="214" name="Stop the container"/>
           <p:cNvSpPr txBox="1"/>
           <p:nvPr/>
         </p:nvSpPr>
@@ -4184,6 +4994,295 @@
             <a:r>
               <a:t>Stop the container</a:t>
             </a:r>
+          </a:p>
+        </p:txBody>
+      </p:sp>
+      <p:sp>
+        <p:nvSpPr>
+          <p:cNvPr id="215" name="Cycling"/>
+          <p:cNvSpPr/>
+          <p:nvPr/>
+        </p:nvSpPr>
+        <p:spPr>
+          <a:xfrm>
+            <a:off x="9084542" y="4279979"/>
+            <a:ext cx="1338116" cy="1193642"/>
+          </a:xfrm>
+          <a:custGeom>
+            <a:avLst/>
+            <a:gdLst/>
+            <a:ahLst/>
+            <a:cxnLst>
+              <a:cxn ang="0">
+                <a:pos x="wd2" y="hd2"/>
+              </a:cxn>
+              <a:cxn ang="5400000">
+                <a:pos x="wd2" y="hd2"/>
+              </a:cxn>
+              <a:cxn ang="10800000">
+                <a:pos x="wd2" y="hd2"/>
+              </a:cxn>
+              <a:cxn ang="16200000">
+                <a:pos x="wd2" y="hd2"/>
+              </a:cxn>
+            </a:cxnLst>
+            <a:rect l="0" t="0" r="r" b="b"/>
+            <a:pathLst>
+              <a:path w="21600" h="21600" fill="norm" stroke="1" extrusionOk="0">
+                <a:moveTo>
+                  <a:pt x="16058" y="0"/>
+                </a:moveTo>
+                <a:cubicBezTo>
+                  <a:pt x="15522" y="0"/>
+                  <a:pt x="14986" y="228"/>
+                  <a:pt x="14577" y="687"/>
+                </a:cubicBezTo>
+                <a:cubicBezTo>
+                  <a:pt x="13759" y="1604"/>
+                  <a:pt x="13759" y="3090"/>
+                  <a:pt x="14577" y="4007"/>
+                </a:cubicBezTo>
+                <a:cubicBezTo>
+                  <a:pt x="15395" y="4924"/>
+                  <a:pt x="16722" y="4924"/>
+                  <a:pt x="17540" y="4007"/>
+                </a:cubicBezTo>
+                <a:cubicBezTo>
+                  <a:pt x="18358" y="3090"/>
+                  <a:pt x="18358" y="1604"/>
+                  <a:pt x="17540" y="687"/>
+                </a:cubicBezTo>
+                <a:cubicBezTo>
+                  <a:pt x="17131" y="228"/>
+                  <a:pt x="16594" y="0"/>
+                  <a:pt x="16058" y="0"/>
+                </a:cubicBezTo>
+                <a:close/>
+                <a:moveTo>
+                  <a:pt x="12138" y="2917"/>
+                </a:moveTo>
+                <a:cubicBezTo>
+                  <a:pt x="11771" y="2888"/>
+                  <a:pt x="11391" y="3000"/>
+                  <a:pt x="11073" y="3267"/>
+                </a:cubicBezTo>
+                <a:lnTo>
+                  <a:pt x="6456" y="7143"/>
+                </a:lnTo>
+                <a:cubicBezTo>
+                  <a:pt x="5753" y="7734"/>
+                  <a:pt x="5611" y="8852"/>
+                  <a:pt x="6137" y="9640"/>
+                </a:cubicBezTo>
+                <a:cubicBezTo>
+                  <a:pt x="6183" y="9708"/>
+                  <a:pt x="6232" y="9771"/>
+                  <a:pt x="6284" y="9830"/>
+                </a:cubicBezTo>
+                <a:cubicBezTo>
+                  <a:pt x="6364" y="9939"/>
+                  <a:pt x="6457" y="10038"/>
+                  <a:pt x="6569" y="10117"/>
+                </a:cubicBezTo>
+                <a:lnTo>
+                  <a:pt x="9983" y="12501"/>
+                </a:lnTo>
+                <a:lnTo>
+                  <a:pt x="9575" y="17898"/>
+                </a:lnTo>
+                <a:cubicBezTo>
+                  <a:pt x="9520" y="18618"/>
+                  <a:pt x="9998" y="19250"/>
+                  <a:pt x="10640" y="19311"/>
+                </a:cubicBezTo>
+                <a:cubicBezTo>
+                  <a:pt x="10673" y="19314"/>
+                  <a:pt x="10706" y="19317"/>
+                  <a:pt x="10739" y="19317"/>
+                </a:cubicBezTo>
+                <a:cubicBezTo>
+                  <a:pt x="11339" y="19317"/>
+                  <a:pt x="11849" y="18801"/>
+                  <a:pt x="11900" y="18119"/>
+                </a:cubicBezTo>
+                <a:lnTo>
+                  <a:pt x="12369" y="11924"/>
+                </a:lnTo>
+                <a:cubicBezTo>
+                  <a:pt x="12406" y="11434"/>
+                  <a:pt x="12197" y="10963"/>
+                  <a:pt x="11824" y="10704"/>
+                </a:cubicBezTo>
+                <a:lnTo>
+                  <a:pt x="9477" y="9065"/>
+                </a:lnTo>
+                <a:lnTo>
+                  <a:pt x="12970" y="6133"/>
+                </a:lnTo>
+                <a:lnTo>
+                  <a:pt x="14799" y="9271"/>
+                </a:lnTo>
+                <a:lnTo>
+                  <a:pt x="18649" y="9271"/>
+                </a:lnTo>
+                <a:cubicBezTo>
+                  <a:pt x="19059" y="9271"/>
+                  <a:pt x="19391" y="8899"/>
+                  <a:pt x="19391" y="8439"/>
+                </a:cubicBezTo>
+                <a:cubicBezTo>
+                  <a:pt x="19391" y="7979"/>
+                  <a:pt x="19059" y="7607"/>
+                  <a:pt x="18649" y="7607"/>
+                </a:cubicBezTo>
+                <a:lnTo>
+                  <a:pt x="15603" y="7607"/>
+                </a:lnTo>
+                <a:lnTo>
+                  <a:pt x="13473" y="3950"/>
+                </a:lnTo>
+                <a:cubicBezTo>
+                  <a:pt x="13427" y="3838"/>
+                  <a:pt x="13369" y="3729"/>
+                  <a:pt x="13301" y="3626"/>
+                </a:cubicBezTo>
+                <a:cubicBezTo>
+                  <a:pt x="13260" y="3565"/>
+                  <a:pt x="13216" y="3508"/>
+                  <a:pt x="13169" y="3454"/>
+                </a:cubicBezTo>
+                <a:cubicBezTo>
+                  <a:pt x="13159" y="3442"/>
+                  <a:pt x="13148" y="3432"/>
+                  <a:pt x="13137" y="3420"/>
+                </a:cubicBezTo>
+                <a:cubicBezTo>
+                  <a:pt x="12861" y="3118"/>
+                  <a:pt x="12506" y="2946"/>
+                  <a:pt x="12138" y="2917"/>
+                </a:cubicBezTo>
+                <a:close/>
+                <a:moveTo>
+                  <a:pt x="4190" y="12207"/>
+                </a:moveTo>
+                <a:cubicBezTo>
+                  <a:pt x="1880" y="12207"/>
+                  <a:pt x="0" y="14315"/>
+                  <a:pt x="0" y="16905"/>
+                </a:cubicBezTo>
+                <a:cubicBezTo>
+                  <a:pt x="0" y="19494"/>
+                  <a:pt x="1880" y="21600"/>
+                  <a:pt x="4190" y="21600"/>
+                </a:cubicBezTo>
+                <a:cubicBezTo>
+                  <a:pt x="6500" y="21600"/>
+                  <a:pt x="8378" y="19494"/>
+                  <a:pt x="8378" y="16905"/>
+                </a:cubicBezTo>
+                <a:cubicBezTo>
+                  <a:pt x="8378" y="14315"/>
+                  <a:pt x="6500" y="12207"/>
+                  <a:pt x="4190" y="12207"/>
+                </a:cubicBezTo>
+                <a:close/>
+                <a:moveTo>
+                  <a:pt x="17410" y="12207"/>
+                </a:moveTo>
+                <a:cubicBezTo>
+                  <a:pt x="15100" y="12207"/>
+                  <a:pt x="13222" y="14315"/>
+                  <a:pt x="13222" y="16905"/>
+                </a:cubicBezTo>
+                <a:cubicBezTo>
+                  <a:pt x="13222" y="19494"/>
+                  <a:pt x="15100" y="21600"/>
+                  <a:pt x="17410" y="21600"/>
+                </a:cubicBezTo>
+                <a:cubicBezTo>
+                  <a:pt x="19720" y="21600"/>
+                  <a:pt x="21600" y="19494"/>
+                  <a:pt x="21600" y="16905"/>
+                </a:cubicBezTo>
+                <a:cubicBezTo>
+                  <a:pt x="21600" y="14315"/>
+                  <a:pt x="19720" y="12207"/>
+                  <a:pt x="17410" y="12207"/>
+                </a:cubicBezTo>
+                <a:close/>
+                <a:moveTo>
+                  <a:pt x="4190" y="13872"/>
+                </a:moveTo>
+                <a:cubicBezTo>
+                  <a:pt x="5681" y="13872"/>
+                  <a:pt x="6893" y="15233"/>
+                  <a:pt x="6893" y="16905"/>
+                </a:cubicBezTo>
+                <a:cubicBezTo>
+                  <a:pt x="6893" y="18576"/>
+                  <a:pt x="5681" y="19935"/>
+                  <a:pt x="4190" y="19935"/>
+                </a:cubicBezTo>
+                <a:cubicBezTo>
+                  <a:pt x="2699" y="19935"/>
+                  <a:pt x="1485" y="18576"/>
+                  <a:pt x="1485" y="16905"/>
+                </a:cubicBezTo>
+                <a:cubicBezTo>
+                  <a:pt x="1485" y="15233"/>
+                  <a:pt x="2699" y="13872"/>
+                  <a:pt x="4190" y="13872"/>
+                </a:cubicBezTo>
+                <a:close/>
+                <a:moveTo>
+                  <a:pt x="17410" y="13872"/>
+                </a:moveTo>
+                <a:cubicBezTo>
+                  <a:pt x="18901" y="13872"/>
+                  <a:pt x="20115" y="15233"/>
+                  <a:pt x="20115" y="16905"/>
+                </a:cubicBezTo>
+                <a:cubicBezTo>
+                  <a:pt x="20115" y="18576"/>
+                  <a:pt x="18901" y="19935"/>
+                  <a:pt x="17410" y="19935"/>
+                </a:cubicBezTo>
+                <a:cubicBezTo>
+                  <a:pt x="15919" y="19935"/>
+                  <a:pt x="14707" y="18576"/>
+                  <a:pt x="14707" y="16905"/>
+                </a:cubicBezTo>
+                <a:cubicBezTo>
+                  <a:pt x="14707" y="15233"/>
+                  <a:pt x="15919" y="13872"/>
+                  <a:pt x="17410" y="13872"/>
+                </a:cubicBezTo>
+                <a:close/>
+              </a:path>
+            </a:pathLst>
+          </a:custGeom>
+          <a:solidFill>
+            <a:schemeClr val="accent1"/>
+          </a:solidFill>
+          <a:ln w="12700">
+            <a:miter lim="400000"/>
+          </a:ln>
+        </p:spPr>
+        <p:txBody>
+          <a:bodyPr lIns="50800" tIns="50800" rIns="50800" bIns="50800" anchor="ctr"/>
+          <a:lstStyle/>
+          <a:p>
+            <a:pPr>
+              <a:defRPr b="0" sz="2200">
+                <a:solidFill>
+                  <a:srgbClr val="FFFFFF"/>
+                </a:solidFill>
+                <a:latin typeface="+mn-lt"/>
+                <a:ea typeface="+mn-ea"/>
+                <a:cs typeface="+mn-cs"/>
+                <a:sym typeface="Helvetica Neue Medium"/>
+              </a:defRPr>
+            </a:pPr>
           </a:p>
         </p:txBody>
       </p:sp>
@@ -4215,7 +5314,7 @@
       </p:grpSpPr>
       <p:sp>
         <p:nvSpPr>
-          <p:cNvPr id="215" name="Dockerfile"/>
+          <p:cNvPr id="217" name="Dockerfile"/>
           <p:cNvSpPr txBox="1"/>
           <p:nvPr/>
         </p:nvSpPr>
@@ -4259,7 +5358,7 @@
       </p:sp>
       <p:sp>
         <p:nvSpPr>
-          <p:cNvPr id="216" name="Line"/>
+          <p:cNvPr id="218" name="Line"/>
           <p:cNvSpPr/>
           <p:nvPr/>
         </p:nvSpPr>
@@ -4301,7 +5400,7 @@
       </p:sp>
       <p:sp>
         <p:nvSpPr>
-          <p:cNvPr id="217" name="FROM &lt;image&gt;"/>
+          <p:cNvPr id="219" name="FROM &lt;image&gt;"/>
           <p:cNvSpPr txBox="1"/>
           <p:nvPr/>
         </p:nvSpPr>
@@ -4345,7 +5444,7 @@
       </p:sp>
       <p:pic>
         <p:nvPicPr>
-          <p:cNvPr id="218" name="docker-logo.png" descr="docker-logo.png"/>
+          <p:cNvPr id="220" name="docker-logo.png" descr="docker-logo.png"/>
           <p:cNvPicPr>
             <a:picLocks noChangeAspect="1"/>
           </p:cNvPicPr>
@@ -4374,7 +5473,7 @@
       </p:pic>
       <p:sp>
         <p:nvSpPr>
-          <p:cNvPr id="219" name="FROM"/>
+          <p:cNvPr id="221" name="FROM"/>
           <p:cNvSpPr txBox="1"/>
           <p:nvPr/>
         </p:nvSpPr>
@@ -4413,6 +5512,145 @@
             <a:r>
               <a:t>FROM</a:t>
             </a:r>
+          </a:p>
+        </p:txBody>
+      </p:sp>
+      <p:sp>
+        <p:nvSpPr>
+          <p:cNvPr id="222" name="Apple"/>
+          <p:cNvSpPr/>
+          <p:nvPr/>
+        </p:nvSpPr>
+        <p:spPr>
+          <a:xfrm>
+            <a:off x="9428726" y="2876486"/>
+            <a:ext cx="725559" cy="825628"/>
+          </a:xfrm>
+          <a:custGeom>
+            <a:avLst/>
+            <a:gdLst/>
+            <a:ahLst/>
+            <a:cxnLst>
+              <a:cxn ang="0">
+                <a:pos x="wd2" y="hd2"/>
+              </a:cxn>
+              <a:cxn ang="5400000">
+                <a:pos x="wd2" y="hd2"/>
+              </a:cxn>
+              <a:cxn ang="10800000">
+                <a:pos x="wd2" y="hd2"/>
+              </a:cxn>
+              <a:cxn ang="16200000">
+                <a:pos x="wd2" y="hd2"/>
+              </a:cxn>
+            </a:cxnLst>
+            <a:rect l="0" t="0" r="r" b="b"/>
+            <a:pathLst>
+              <a:path w="17410" h="20613" fill="norm" stroke="1" extrusionOk="0">
+                <a:moveTo>
+                  <a:pt x="0" y="2"/>
+                </a:moveTo>
+                <a:cubicBezTo>
+                  <a:pt x="1451" y="3943"/>
+                  <a:pt x="5157" y="4456"/>
+                  <a:pt x="6978" y="3382"/>
+                </a:cubicBezTo>
+                <a:cubicBezTo>
+                  <a:pt x="7286" y="3563"/>
+                  <a:pt x="8060" y="4073"/>
+                  <a:pt x="8550" y="4884"/>
+                </a:cubicBezTo>
+                <a:cubicBezTo>
+                  <a:pt x="8454" y="5252"/>
+                  <a:pt x="8387" y="5636"/>
+                  <a:pt x="8341" y="6039"/>
+                </a:cubicBezTo>
+                <a:cubicBezTo>
+                  <a:pt x="7169" y="5159"/>
+                  <a:pt x="4412" y="3710"/>
+                  <a:pt x="1571" y="6696"/>
+                </a:cubicBezTo>
+                <a:cubicBezTo>
+                  <a:pt x="-2090" y="10545"/>
+                  <a:pt x="1666" y="17304"/>
+                  <a:pt x="3532" y="19171"/>
+                </a:cubicBezTo>
+                <a:cubicBezTo>
+                  <a:pt x="5051" y="20690"/>
+                  <a:pt x="7284" y="21033"/>
+                  <a:pt x="8895" y="20084"/>
+                </a:cubicBezTo>
+                <a:cubicBezTo>
+                  <a:pt x="10541" y="20966"/>
+                  <a:pt x="12760" y="20533"/>
+                  <a:pt x="14220" y="18952"/>
+                </a:cubicBezTo>
+                <a:cubicBezTo>
+                  <a:pt x="16014" y="17010"/>
+                  <a:pt x="19510" y="10100"/>
+                  <a:pt x="15705" y="6404"/>
+                </a:cubicBezTo>
+                <a:cubicBezTo>
+                  <a:pt x="12821" y="3604"/>
+                  <a:pt x="10177" y="5030"/>
+                  <a:pt x="8996" y="5962"/>
+                </a:cubicBezTo>
+                <a:cubicBezTo>
+                  <a:pt x="9362" y="4276"/>
+                  <a:pt x="10299" y="2881"/>
+                  <a:pt x="11830" y="1818"/>
+                </a:cubicBezTo>
+                <a:cubicBezTo>
+                  <a:pt x="12127" y="1605"/>
+                  <a:pt x="11429" y="972"/>
+                  <a:pt x="11062" y="1235"/>
+                </a:cubicBezTo>
+                <a:cubicBezTo>
+                  <a:pt x="9865" y="2172"/>
+                  <a:pt x="9134" y="3168"/>
+                  <a:pt x="8722" y="4327"/>
+                </a:cubicBezTo>
+                <a:cubicBezTo>
+                  <a:pt x="8152" y="3554"/>
+                  <a:pt x="7406" y="3094"/>
+                  <a:pt x="7137" y="2944"/>
+                </a:cubicBezTo>
+                <a:cubicBezTo>
+                  <a:pt x="6952" y="2300"/>
+                  <a:pt x="6374" y="756"/>
+                  <a:pt x="4976" y="243"/>
+                </a:cubicBezTo>
+                <a:cubicBezTo>
+                  <a:pt x="2769" y="-567"/>
+                  <a:pt x="2384" y="993"/>
+                  <a:pt x="0" y="2"/>
+                </a:cubicBezTo>
+                <a:close/>
+              </a:path>
+            </a:pathLst>
+          </a:custGeom>
+          <a:solidFill>
+            <a:schemeClr val="accent1"/>
+          </a:solidFill>
+          <a:ln w="12700">
+            <a:miter lim="400000"/>
+          </a:ln>
+        </p:spPr>
+        <p:txBody>
+          <a:bodyPr lIns="50800" tIns="50800" rIns="50800" bIns="50800" anchor="ctr"/>
+          <a:lstStyle/>
+          <a:p>
+            <a:pPr>
+              <a:defRPr b="0" sz="2200">
+                <a:solidFill>
+                  <a:srgbClr val="FFFFFF"/>
+                </a:solidFill>
+                <a:latin typeface="+mn-lt"/>
+                <a:ea typeface="+mn-ea"/>
+                <a:cs typeface="+mn-cs"/>
+                <a:sym typeface="Helvetica Neue Medium"/>
+              </a:defRPr>
+            </a:pPr>
           </a:p>
         </p:txBody>
       </p:sp>
@@ -4444,7 +5682,7 @@
       </p:grpSpPr>
       <p:sp>
         <p:nvSpPr>
-          <p:cNvPr id="221" name="Dockerfile"/>
+          <p:cNvPr id="224" name="Dockerfile"/>
           <p:cNvSpPr txBox="1"/>
           <p:nvPr/>
         </p:nvSpPr>
@@ -4488,7 +5726,7 @@
       </p:sp>
       <p:sp>
         <p:nvSpPr>
-          <p:cNvPr id="222" name="Line"/>
+          <p:cNvPr id="225" name="Line"/>
           <p:cNvSpPr/>
           <p:nvPr/>
         </p:nvSpPr>
@@ -4530,7 +5768,7 @@
       </p:sp>
       <p:sp>
         <p:nvSpPr>
-          <p:cNvPr id="223" name="FROM &lt;image&gt;"/>
+          <p:cNvPr id="226" name="FROM &lt;image&gt;"/>
           <p:cNvSpPr txBox="1"/>
           <p:nvPr/>
         </p:nvSpPr>
@@ -4574,7 +5812,7 @@
       </p:sp>
       <p:pic>
         <p:nvPicPr>
-          <p:cNvPr id="224" name="docker-logo.png" descr="docker-logo.png"/>
+          <p:cNvPr id="227" name="docker-logo.png" descr="docker-logo.png"/>
           <p:cNvPicPr>
             <a:picLocks noChangeAspect="1"/>
           </p:cNvPicPr>
@@ -4603,7 +5841,7 @@
       </p:pic>
       <p:sp>
         <p:nvSpPr>
-          <p:cNvPr id="225" name="FROM"/>
+          <p:cNvPr id="228" name="FROM"/>
           <p:cNvSpPr txBox="1"/>
           <p:nvPr/>
         </p:nvSpPr>
@@ -4647,7 +5885,7 @@
       </p:sp>
       <p:sp>
         <p:nvSpPr>
-          <p:cNvPr id="226" name="ARG VAR=val"/>
+          <p:cNvPr id="229" name="ARG VAR=val"/>
           <p:cNvSpPr txBox="1"/>
           <p:nvPr/>
         </p:nvSpPr>
@@ -4691,7 +5929,7 @@
       </p:sp>
       <p:sp>
         <p:nvSpPr>
-          <p:cNvPr id="227" name="ARG"/>
+          <p:cNvPr id="230" name="ARG"/>
           <p:cNvSpPr txBox="1"/>
           <p:nvPr/>
         </p:nvSpPr>
@@ -4730,6 +5968,115 @@
             <a:r>
               <a:t>ARG</a:t>
             </a:r>
+          </a:p>
+        </p:txBody>
+      </p:sp>
+      <p:sp>
+        <p:nvSpPr>
+          <p:cNvPr id="231" name="Banana"/>
+          <p:cNvSpPr/>
+          <p:nvPr/>
+        </p:nvSpPr>
+        <p:spPr>
+          <a:xfrm>
+            <a:off x="9610653" y="3468040"/>
+            <a:ext cx="809541" cy="858598"/>
+          </a:xfrm>
+          <a:custGeom>
+            <a:avLst/>
+            <a:gdLst/>
+            <a:ahLst/>
+            <a:cxnLst>
+              <a:cxn ang="0">
+                <a:pos x="wd2" y="hd2"/>
+              </a:cxn>
+              <a:cxn ang="5400000">
+                <a:pos x="wd2" y="hd2"/>
+              </a:cxn>
+              <a:cxn ang="10800000">
+                <a:pos x="wd2" y="hd2"/>
+              </a:cxn>
+              <a:cxn ang="16200000">
+                <a:pos x="wd2" y="hd2"/>
+              </a:cxn>
+            </a:cxnLst>
+            <a:rect l="0" t="0" r="r" b="b"/>
+            <a:pathLst>
+              <a:path w="19548" h="20072" fill="norm" stroke="1" extrusionOk="0">
+                <a:moveTo>
+                  <a:pt x="17419" y="1"/>
+                </a:moveTo>
+                <a:cubicBezTo>
+                  <a:pt x="17020" y="17"/>
+                  <a:pt x="16510" y="237"/>
+                  <a:pt x="16540" y="455"/>
+                </a:cubicBezTo>
+                <a:cubicBezTo>
+                  <a:pt x="16966" y="3528"/>
+                  <a:pt x="16746" y="4498"/>
+                  <a:pt x="16243" y="5038"/>
+                </a:cubicBezTo>
+                <a:cubicBezTo>
+                  <a:pt x="11841" y="9762"/>
+                  <a:pt x="13185" y="11967"/>
+                  <a:pt x="3522" y="15416"/>
+                </a:cubicBezTo>
+                <a:cubicBezTo>
+                  <a:pt x="1632" y="16073"/>
+                  <a:pt x="481" y="16953"/>
+                  <a:pt x="0" y="18249"/>
+                </a:cubicBezTo>
+                <a:cubicBezTo>
+                  <a:pt x="245" y="18993"/>
+                  <a:pt x="538" y="19412"/>
+                  <a:pt x="538" y="19412"/>
+                </a:cubicBezTo>
+                <a:cubicBezTo>
+                  <a:pt x="538" y="19412"/>
+                  <a:pt x="4624" y="21591"/>
+                  <a:pt x="11089" y="18030"/>
+                </a:cubicBezTo>
+                <a:cubicBezTo>
+                  <a:pt x="17845" y="14310"/>
+                  <a:pt x="21600" y="9045"/>
+                  <a:pt x="18376" y="4166"/>
+                </a:cubicBezTo>
+                <a:cubicBezTo>
+                  <a:pt x="18376" y="4166"/>
+                  <a:pt x="17979" y="1181"/>
+                  <a:pt x="17878" y="235"/>
+                </a:cubicBezTo>
+                <a:cubicBezTo>
+                  <a:pt x="17859" y="54"/>
+                  <a:pt x="17659" y="-9"/>
+                  <a:pt x="17419" y="1"/>
+                </a:cubicBezTo>
+                <a:close/>
+              </a:path>
+            </a:pathLst>
+          </a:custGeom>
+          <a:solidFill>
+            <a:schemeClr val="accent1"/>
+          </a:solidFill>
+          <a:ln w="12700">
+            <a:miter lim="400000"/>
+          </a:ln>
+        </p:spPr>
+        <p:txBody>
+          <a:bodyPr lIns="50800" tIns="50800" rIns="50800" bIns="50800" anchor="ctr"/>
+          <a:lstStyle/>
+          <a:p>
+            <a:pPr>
+              <a:defRPr b="0" sz="2200">
+                <a:solidFill>
+                  <a:srgbClr val="FFFFFF"/>
+                </a:solidFill>
+                <a:latin typeface="+mn-lt"/>
+                <a:ea typeface="+mn-ea"/>
+                <a:cs typeface="+mn-cs"/>
+                <a:sym typeface="Helvetica Neue Medium"/>
+              </a:defRPr>
+            </a:pPr>
           </a:p>
         </p:txBody>
       </p:sp>
@@ -4761,7 +6108,7 @@
       </p:grpSpPr>
       <p:sp>
         <p:nvSpPr>
-          <p:cNvPr id="229" name="Dockerfile"/>
+          <p:cNvPr id="233" name="Dockerfile"/>
           <p:cNvSpPr txBox="1"/>
           <p:nvPr/>
         </p:nvSpPr>
@@ -4805,7 +6152,7 @@
       </p:sp>
       <p:sp>
         <p:nvSpPr>
-          <p:cNvPr id="230" name="Line"/>
+          <p:cNvPr id="234" name="Line"/>
           <p:cNvSpPr/>
           <p:nvPr/>
         </p:nvSpPr>
@@ -4847,7 +6194,7 @@
       </p:sp>
       <p:sp>
         <p:nvSpPr>
-          <p:cNvPr id="231" name="FROM &lt;image&gt;"/>
+          <p:cNvPr id="235" name="FROM &lt;image&gt;"/>
           <p:cNvSpPr txBox="1"/>
           <p:nvPr/>
         </p:nvSpPr>
@@ -4891,7 +6238,7 @@
       </p:sp>
       <p:pic>
         <p:nvPicPr>
-          <p:cNvPr id="232" name="docker-logo.png" descr="docker-logo.png"/>
+          <p:cNvPr id="236" name="docker-logo.png" descr="docker-logo.png"/>
           <p:cNvPicPr>
             <a:picLocks noChangeAspect="1"/>
           </p:cNvPicPr>
@@ -4920,7 +6267,7 @@
       </p:pic>
       <p:sp>
         <p:nvSpPr>
-          <p:cNvPr id="233" name="FROM"/>
+          <p:cNvPr id="237" name="FROM"/>
           <p:cNvSpPr txBox="1"/>
           <p:nvPr/>
         </p:nvSpPr>
@@ -4964,7 +6311,7 @@
       </p:sp>
       <p:sp>
         <p:nvSpPr>
-          <p:cNvPr id="234" name="ARG VAR=val"/>
+          <p:cNvPr id="238" name="ARG VAR=val"/>
           <p:cNvSpPr txBox="1"/>
           <p:nvPr/>
         </p:nvSpPr>
@@ -5008,7 +6355,7 @@
       </p:sp>
       <p:sp>
         <p:nvSpPr>
-          <p:cNvPr id="235" name="ARG"/>
+          <p:cNvPr id="239" name="ARG"/>
           <p:cNvSpPr txBox="1"/>
           <p:nvPr/>
         </p:nvSpPr>
@@ -5052,7 +6399,7 @@
       </p:sp>
       <p:sp>
         <p:nvSpPr>
-          <p:cNvPr id="236" name="RUN &lt;command&gt;"/>
+          <p:cNvPr id="240" name="RUN &lt;command&gt;"/>
           <p:cNvSpPr txBox="1"/>
           <p:nvPr/>
         </p:nvSpPr>
@@ -5096,7 +6443,7 @@
       </p:sp>
       <p:sp>
         <p:nvSpPr>
-          <p:cNvPr id="237" name="RUN"/>
+          <p:cNvPr id="241" name="RUN"/>
           <p:cNvSpPr txBox="1"/>
           <p:nvPr/>
         </p:nvSpPr>
@@ -5135,6 +6482,319 @@
             <a:r>
               <a:t>RUN</a:t>
             </a:r>
+          </a:p>
+        </p:txBody>
+      </p:sp>
+      <p:sp>
+        <p:nvSpPr>
+          <p:cNvPr id="242" name="Carrot"/>
+          <p:cNvSpPr/>
+          <p:nvPr/>
+        </p:nvSpPr>
+        <p:spPr>
+          <a:xfrm>
+            <a:off x="9672952" y="4073353"/>
+            <a:ext cx="977936" cy="968771"/>
+          </a:xfrm>
+          <a:custGeom>
+            <a:avLst/>
+            <a:gdLst/>
+            <a:ahLst/>
+            <a:cxnLst>
+              <a:cxn ang="0">
+                <a:pos x="wd2" y="hd2"/>
+              </a:cxn>
+              <a:cxn ang="5400000">
+                <a:pos x="wd2" y="hd2"/>
+              </a:cxn>
+              <a:cxn ang="10800000">
+                <a:pos x="wd2" y="hd2"/>
+              </a:cxn>
+              <a:cxn ang="16200000">
+                <a:pos x="wd2" y="hd2"/>
+              </a:cxn>
+            </a:cxnLst>
+            <a:rect l="0" t="0" r="r" b="b"/>
+            <a:pathLst>
+              <a:path w="21422" h="21456" fill="norm" stroke="1" extrusionOk="0">
+                <a:moveTo>
+                  <a:pt x="17341" y="7"/>
+                </a:moveTo>
+                <a:cubicBezTo>
+                  <a:pt x="17150" y="-42"/>
+                  <a:pt x="17010" y="188"/>
+                  <a:pt x="16850" y="305"/>
+                </a:cubicBezTo>
+                <a:cubicBezTo>
+                  <a:pt x="16604" y="484"/>
+                  <a:pt x="16395" y="305"/>
+                  <a:pt x="16072" y="328"/>
+                </a:cubicBezTo>
+                <a:cubicBezTo>
+                  <a:pt x="15666" y="497"/>
+                  <a:pt x="15848" y="779"/>
+                  <a:pt x="15892" y="1099"/>
+                </a:cubicBezTo>
+                <a:cubicBezTo>
+                  <a:pt x="15918" y="1281"/>
+                  <a:pt x="15948" y="1526"/>
+                  <a:pt x="15777" y="1591"/>
+                </a:cubicBezTo>
+                <a:cubicBezTo>
+                  <a:pt x="15620" y="1652"/>
+                  <a:pt x="15428" y="1628"/>
+                  <a:pt x="15267" y="1675"/>
+                </a:cubicBezTo>
+                <a:cubicBezTo>
+                  <a:pt x="15070" y="1734"/>
+                  <a:pt x="15104" y="2035"/>
+                  <a:pt x="15229" y="2199"/>
+                </a:cubicBezTo>
+                <a:cubicBezTo>
+                  <a:pt x="15284" y="2272"/>
+                  <a:pt x="15353" y="2346"/>
+                  <a:pt x="15408" y="2422"/>
+                </a:cubicBezTo>
+                <a:cubicBezTo>
+                  <a:pt x="15506" y="2557"/>
+                  <a:pt x="15476" y="2772"/>
+                  <a:pt x="15320" y="2828"/>
+                </a:cubicBezTo>
+                <a:cubicBezTo>
+                  <a:pt x="14743" y="3031"/>
+                  <a:pt x="14780" y="3599"/>
+                  <a:pt x="15490" y="3710"/>
+                </a:cubicBezTo>
+                <a:cubicBezTo>
+                  <a:pt x="16209" y="3823"/>
+                  <a:pt x="15667" y="4575"/>
+                  <a:pt x="15574" y="4740"/>
+                </a:cubicBezTo>
+                <a:cubicBezTo>
+                  <a:pt x="15320" y="5193"/>
+                  <a:pt x="15078" y="5535"/>
+                  <a:pt x="14814" y="5863"/>
+                </a:cubicBezTo>
+                <a:cubicBezTo>
+                  <a:pt x="13984" y="5233"/>
+                  <a:pt x="12915" y="5025"/>
+                  <a:pt x="12145" y="5801"/>
+                </a:cubicBezTo>
+                <a:cubicBezTo>
+                  <a:pt x="4639" y="13365"/>
+                  <a:pt x="1172" y="19011"/>
+                  <a:pt x="34" y="21078"/>
+                </a:cubicBezTo>
+                <a:cubicBezTo>
+                  <a:pt x="-94" y="21310"/>
+                  <a:pt x="173" y="21558"/>
+                  <a:pt x="393" y="21413"/>
+                </a:cubicBezTo>
+                <a:cubicBezTo>
+                  <a:pt x="7852" y="16489"/>
+                  <a:pt x="14575" y="10313"/>
+                  <a:pt x="15588" y="9292"/>
+                </a:cubicBezTo>
+                <a:cubicBezTo>
+                  <a:pt x="16357" y="8517"/>
+                  <a:pt x="16142" y="7413"/>
+                  <a:pt x="15506" y="6561"/>
+                </a:cubicBezTo>
+                <a:cubicBezTo>
+                  <a:pt x="15853" y="6237"/>
+                  <a:pt x="16238" y="5955"/>
+                  <a:pt x="16654" y="5725"/>
+                </a:cubicBezTo>
+                <a:cubicBezTo>
+                  <a:pt x="16975" y="5548"/>
+                  <a:pt x="17337" y="5386"/>
+                  <a:pt x="17657" y="5560"/>
+                </a:cubicBezTo>
+                <a:cubicBezTo>
+                  <a:pt x="17989" y="5742"/>
+                  <a:pt x="18061" y="6167"/>
+                  <a:pt x="18040" y="6363"/>
+                </a:cubicBezTo>
+                <a:cubicBezTo>
+                  <a:pt x="17988" y="6840"/>
+                  <a:pt x="18417" y="6898"/>
+                  <a:pt x="18597" y="6822"/>
+                </a:cubicBezTo>
+                <a:cubicBezTo>
+                  <a:pt x="18935" y="6703"/>
+                  <a:pt x="18642" y="6188"/>
+                  <a:pt x="19247" y="6385"/>
+                </a:cubicBezTo>
+                <a:cubicBezTo>
+                  <a:pt x="19373" y="6425"/>
+                  <a:pt x="19546" y="6534"/>
+                  <a:pt x="19733" y="6373"/>
+                </a:cubicBezTo>
+                <a:cubicBezTo>
+                  <a:pt x="19795" y="6319"/>
+                  <a:pt x="19831" y="6248"/>
+                  <a:pt x="19841" y="6166"/>
+                </a:cubicBezTo>
+                <a:cubicBezTo>
+                  <a:pt x="19866" y="5957"/>
+                  <a:pt x="19562" y="5746"/>
+                  <a:pt x="19626" y="5613"/>
+                </a:cubicBezTo>
+                <a:cubicBezTo>
+                  <a:pt x="19711" y="5450"/>
+                  <a:pt x="20039" y="5599"/>
+                  <a:pt x="20202" y="5678"/>
+                </a:cubicBezTo>
+                <a:cubicBezTo>
+                  <a:pt x="20365" y="5758"/>
+                  <a:pt x="20783" y="5757"/>
+                  <a:pt x="20862" y="5592"/>
+                </a:cubicBezTo>
+                <a:cubicBezTo>
+                  <a:pt x="20932" y="5447"/>
+                  <a:pt x="20860" y="5283"/>
+                  <a:pt x="20751" y="5165"/>
+                </a:cubicBezTo>
+                <a:cubicBezTo>
+                  <a:pt x="20642" y="5047"/>
+                  <a:pt x="20575" y="4822"/>
+                  <a:pt x="20719" y="4755"/>
+                </a:cubicBezTo>
+                <a:cubicBezTo>
+                  <a:pt x="20786" y="4724"/>
+                  <a:pt x="20862" y="4749"/>
+                  <a:pt x="20934" y="4762"/>
+                </a:cubicBezTo>
+                <a:cubicBezTo>
+                  <a:pt x="21267" y="4818"/>
+                  <a:pt x="21429" y="4498"/>
+                  <a:pt x="21222" y="4228"/>
+                </a:cubicBezTo>
+                <a:lnTo>
+                  <a:pt x="21142" y="4124"/>
+                </a:lnTo>
+                <a:cubicBezTo>
+                  <a:pt x="20996" y="3934"/>
+                  <a:pt x="21039" y="3661"/>
+                  <a:pt x="21235" y="3525"/>
+                </a:cubicBezTo>
+                <a:lnTo>
+                  <a:pt x="21242" y="3520"/>
+                </a:lnTo>
+                <a:cubicBezTo>
+                  <a:pt x="21506" y="3346"/>
+                  <a:pt x="21461" y="3067"/>
+                  <a:pt x="21228" y="3023"/>
+                </a:cubicBezTo>
+                <a:lnTo>
+                  <a:pt x="20977" y="2979"/>
+                </a:lnTo>
+                <a:cubicBezTo>
+                  <a:pt x="20558" y="2807"/>
+                  <a:pt x="20634" y="2581"/>
+                  <a:pt x="20859" y="2363"/>
+                </a:cubicBezTo>
+                <a:cubicBezTo>
+                  <a:pt x="21084" y="2146"/>
+                  <a:pt x="20819" y="1780"/>
+                  <a:pt x="20580" y="1812"/>
+                </a:cubicBezTo>
+                <a:cubicBezTo>
+                  <a:pt x="20513" y="1821"/>
+                  <a:pt x="20469" y="1860"/>
+                  <a:pt x="20408" y="1884"/>
+                </a:cubicBezTo>
+                <a:cubicBezTo>
+                  <a:pt x="20182" y="1974"/>
+                  <a:pt x="20016" y="2173"/>
+                  <a:pt x="19773" y="2185"/>
+                </a:cubicBezTo>
+                <a:cubicBezTo>
+                  <a:pt x="19718" y="2188"/>
+                  <a:pt x="19659" y="2183"/>
+                  <a:pt x="19613" y="2151"/>
+                </a:cubicBezTo>
+                <a:cubicBezTo>
+                  <a:pt x="19461" y="2046"/>
+                  <a:pt x="19582" y="1800"/>
+                  <a:pt x="19730" y="1687"/>
+                </a:cubicBezTo>
+                <a:cubicBezTo>
+                  <a:pt x="19880" y="1572"/>
+                  <a:pt x="20078" y="1430"/>
+                  <a:pt x="20022" y="1242"/>
+                </a:cubicBezTo>
+                <a:cubicBezTo>
+                  <a:pt x="19985" y="1116"/>
+                  <a:pt x="19833" y="1046"/>
+                  <a:pt x="19706" y="1072"/>
+                </a:cubicBezTo>
+                <a:cubicBezTo>
+                  <a:pt x="19380" y="1138"/>
+                  <a:pt x="19522" y="1229"/>
+                  <a:pt x="19197" y="1289"/>
+                </a:cubicBezTo>
+                <a:cubicBezTo>
+                  <a:pt x="19091" y="1308"/>
+                  <a:pt x="18977" y="1266"/>
+                  <a:pt x="18916" y="1176"/>
+                </a:cubicBezTo>
+                <a:cubicBezTo>
+                  <a:pt x="18777" y="971"/>
+                  <a:pt x="18877" y="733"/>
+                  <a:pt x="18880" y="554"/>
+                </a:cubicBezTo>
+                <a:cubicBezTo>
+                  <a:pt x="18883" y="317"/>
+                  <a:pt x="18561" y="127"/>
+                  <a:pt x="18362" y="364"/>
+                </a:cubicBezTo>
+                <a:cubicBezTo>
+                  <a:pt x="18260" y="485"/>
+                  <a:pt x="18101" y="773"/>
+                  <a:pt x="17953" y="828"/>
+                </a:cubicBezTo>
+                <a:cubicBezTo>
+                  <a:pt x="17805" y="883"/>
+                  <a:pt x="17656" y="889"/>
+                  <a:pt x="17582" y="749"/>
+                </a:cubicBezTo>
+                <a:cubicBezTo>
+                  <a:pt x="17520" y="631"/>
+                  <a:pt x="17506" y="495"/>
+                  <a:pt x="17519" y="362"/>
+                </a:cubicBezTo>
+                <a:cubicBezTo>
+                  <a:pt x="17532" y="229"/>
+                  <a:pt x="17469" y="40"/>
+                  <a:pt x="17341" y="7"/>
+                </a:cubicBezTo>
+                <a:close/>
+              </a:path>
+            </a:pathLst>
+          </a:custGeom>
+          <a:solidFill>
+            <a:schemeClr val="accent1"/>
+          </a:solidFill>
+          <a:ln w="12700">
+            <a:miter lim="400000"/>
+          </a:ln>
+        </p:spPr>
+        <p:txBody>
+          <a:bodyPr lIns="50800" tIns="50800" rIns="50800" bIns="50800" anchor="ctr"/>
+          <a:lstStyle/>
+          <a:p>
+            <a:pPr>
+              <a:defRPr b="0" sz="2200">
+                <a:solidFill>
+                  <a:srgbClr val="FFFFFF"/>
+                </a:solidFill>
+                <a:latin typeface="+mn-lt"/>
+                <a:ea typeface="+mn-ea"/>
+                <a:cs typeface="+mn-cs"/>
+                <a:sym typeface="Helvetica Neue Medium"/>
+              </a:defRPr>
+            </a:pPr>
           </a:p>
         </p:txBody>
       </p:sp>
@@ -5166,7 +6826,7 @@
       </p:grpSpPr>
       <p:sp>
         <p:nvSpPr>
-          <p:cNvPr id="239" name="Dockerfile"/>
+          <p:cNvPr id="244" name="Dockerfile"/>
           <p:cNvSpPr txBox="1"/>
           <p:nvPr/>
         </p:nvSpPr>
@@ -5210,7 +6870,7 @@
       </p:sp>
       <p:sp>
         <p:nvSpPr>
-          <p:cNvPr id="240" name="Line"/>
+          <p:cNvPr id="245" name="Line"/>
           <p:cNvSpPr/>
           <p:nvPr/>
         </p:nvSpPr>
@@ -5252,7 +6912,7 @@
       </p:sp>
       <p:pic>
         <p:nvPicPr>
-          <p:cNvPr id="241" name="docker-logo.png" descr="docker-logo.png"/>
+          <p:cNvPr id="246" name="docker-logo.png" descr="docker-logo.png"/>
           <p:cNvPicPr>
             <a:picLocks noChangeAspect="1"/>
           </p:cNvPicPr>
@@ -5281,7 +6941,7 @@
       </p:pic>
       <p:sp>
         <p:nvSpPr>
-          <p:cNvPr id="242" name="LABEL &lt;key&gt;=&lt;val&gt;"/>
+          <p:cNvPr id="247" name="LABEL &lt;key&gt;=&lt;val&gt;"/>
           <p:cNvSpPr txBox="1"/>
           <p:nvPr/>
         </p:nvSpPr>
@@ -5325,7 +6985,7 @@
       </p:sp>
       <p:sp>
         <p:nvSpPr>
-          <p:cNvPr id="243" name="LABEL"/>
+          <p:cNvPr id="248" name="LABEL"/>
           <p:cNvSpPr txBox="1"/>
           <p:nvPr/>
         </p:nvSpPr>
@@ -5369,7 +7029,7 @@
       </p:sp>
       <p:sp>
         <p:nvSpPr>
-          <p:cNvPr id="244" name="FROM &lt;image&gt;"/>
+          <p:cNvPr id="249" name="FROM &lt;image&gt;"/>
           <p:cNvSpPr txBox="1"/>
           <p:nvPr/>
         </p:nvSpPr>
@@ -5413,7 +7073,7 @@
       </p:sp>
       <p:sp>
         <p:nvSpPr>
-          <p:cNvPr id="245" name="FROM"/>
+          <p:cNvPr id="250" name="FROM"/>
           <p:cNvSpPr txBox="1"/>
           <p:nvPr/>
         </p:nvSpPr>
@@ -5457,7 +7117,7 @@
       </p:sp>
       <p:sp>
         <p:nvSpPr>
-          <p:cNvPr id="246" name="ARG VAR=val"/>
+          <p:cNvPr id="251" name="ARG VAR=val"/>
           <p:cNvSpPr txBox="1"/>
           <p:nvPr/>
         </p:nvSpPr>
@@ -5501,7 +7161,7 @@
       </p:sp>
       <p:sp>
         <p:nvSpPr>
-          <p:cNvPr id="247" name="ARG"/>
+          <p:cNvPr id="252" name="ARG"/>
           <p:cNvSpPr txBox="1"/>
           <p:nvPr/>
         </p:nvSpPr>
@@ -5545,7 +7205,7 @@
       </p:sp>
       <p:sp>
         <p:nvSpPr>
-          <p:cNvPr id="248" name="RUN &lt;command&gt;"/>
+          <p:cNvPr id="253" name="RUN &lt;command&gt;"/>
           <p:cNvSpPr txBox="1"/>
           <p:nvPr/>
         </p:nvSpPr>
@@ -5589,7 +7249,7 @@
       </p:sp>
       <p:sp>
         <p:nvSpPr>
-          <p:cNvPr id="249" name="RUN"/>
+          <p:cNvPr id="254" name="RUN"/>
           <p:cNvSpPr txBox="1"/>
           <p:nvPr/>
         </p:nvSpPr>
@@ -5628,6 +7288,125 @@
             <a:r>
               <a:t>RUN</a:t>
             </a:r>
+          </a:p>
+        </p:txBody>
+      </p:sp>
+      <p:sp>
+        <p:nvSpPr>
+          <p:cNvPr id="255" name="Chilli"/>
+          <p:cNvSpPr/>
+          <p:nvPr/>
+        </p:nvSpPr>
+        <p:spPr>
+          <a:xfrm>
+            <a:off x="10282566" y="4801106"/>
+            <a:ext cx="1077811" cy="878972"/>
+          </a:xfrm>
+          <a:custGeom>
+            <a:avLst/>
+            <a:gdLst/>
+            <a:ahLst/>
+            <a:cxnLst>
+              <a:cxn ang="0">
+                <a:pos x="wd2" y="hd2"/>
+              </a:cxn>
+              <a:cxn ang="5400000">
+                <a:pos x="wd2" y="hd2"/>
+              </a:cxn>
+              <a:cxn ang="10800000">
+                <a:pos x="wd2" y="hd2"/>
+              </a:cxn>
+              <a:cxn ang="16200000">
+                <a:pos x="wd2" y="hd2"/>
+              </a:cxn>
+            </a:cxnLst>
+            <a:rect l="0" t="0" r="r" b="b"/>
+            <a:pathLst>
+              <a:path w="21114" h="20562" fill="norm" stroke="1" extrusionOk="0">
+                <a:moveTo>
+                  <a:pt x="481" y="10"/>
+                </a:moveTo>
+                <a:cubicBezTo>
+                  <a:pt x="280" y="36"/>
+                  <a:pt x="142" y="105"/>
+                  <a:pt x="81" y="141"/>
+                </a:cubicBezTo>
+                <a:cubicBezTo>
+                  <a:pt x="-160" y="283"/>
+                  <a:pt x="193" y="1017"/>
+                  <a:pt x="382" y="909"/>
+                </a:cubicBezTo>
+                <a:cubicBezTo>
+                  <a:pt x="1520" y="421"/>
+                  <a:pt x="2797" y="3595"/>
+                  <a:pt x="2797" y="3595"/>
+                </a:cubicBezTo>
+                <a:cubicBezTo>
+                  <a:pt x="2143" y="4693"/>
+                  <a:pt x="3311" y="7519"/>
+                  <a:pt x="3311" y="7519"/>
+                </a:cubicBezTo>
+                <a:cubicBezTo>
+                  <a:pt x="3311" y="7519"/>
+                  <a:pt x="145" y="8587"/>
+                  <a:pt x="3075" y="12516"/>
+                </a:cubicBezTo>
+                <a:cubicBezTo>
+                  <a:pt x="8599" y="19921"/>
+                  <a:pt x="14126" y="21532"/>
+                  <a:pt x="20306" y="20076"/>
+                </a:cubicBezTo>
+                <a:cubicBezTo>
+                  <a:pt x="21298" y="19842"/>
+                  <a:pt x="21440" y="18652"/>
+                  <a:pt x="20374" y="18102"/>
+                </a:cubicBezTo>
+                <a:cubicBezTo>
+                  <a:pt x="11778" y="13899"/>
+                  <a:pt x="10729" y="9418"/>
+                  <a:pt x="9443" y="6792"/>
+                </a:cubicBezTo>
+                <a:cubicBezTo>
+                  <a:pt x="8157" y="4166"/>
+                  <a:pt x="5524" y="6088"/>
+                  <a:pt x="5524" y="6088"/>
+                </a:cubicBezTo>
+                <a:cubicBezTo>
+                  <a:pt x="4534" y="3068"/>
+                  <a:pt x="3520" y="3154"/>
+                  <a:pt x="3520" y="3154"/>
+                </a:cubicBezTo>
+                <a:cubicBezTo>
+                  <a:pt x="2242" y="257"/>
+                  <a:pt x="1083" y="-68"/>
+                  <a:pt x="481" y="10"/>
+                </a:cubicBezTo>
+                <a:close/>
+              </a:path>
+            </a:pathLst>
+          </a:custGeom>
+          <a:solidFill>
+            <a:schemeClr val="accent1"/>
+          </a:solidFill>
+          <a:ln w="12700">
+            <a:miter lim="400000"/>
+          </a:ln>
+        </p:spPr>
+        <p:txBody>
+          <a:bodyPr lIns="50800" tIns="50800" rIns="50800" bIns="50800" anchor="ctr"/>
+          <a:lstStyle/>
+          <a:p>
+            <a:pPr>
+              <a:defRPr b="0" sz="2200">
+                <a:solidFill>
+                  <a:srgbClr val="FFFFFF"/>
+                </a:solidFill>
+                <a:latin typeface="+mn-lt"/>
+                <a:ea typeface="+mn-ea"/>
+                <a:cs typeface="+mn-cs"/>
+                <a:sym typeface="Helvetica Neue Medium"/>
+              </a:defRPr>
+            </a:pPr>
           </a:p>
         </p:txBody>
       </p:sp>
@@ -5659,7 +7438,7 @@
       </p:grpSpPr>
       <p:sp>
         <p:nvSpPr>
-          <p:cNvPr id="251" name="Dockerfile"/>
+          <p:cNvPr id="257" name="Dockerfile"/>
           <p:cNvSpPr txBox="1"/>
           <p:nvPr/>
         </p:nvSpPr>
@@ -5703,7 +7482,7 @@
       </p:sp>
       <p:sp>
         <p:nvSpPr>
-          <p:cNvPr id="252" name="Line"/>
+          <p:cNvPr id="258" name="Line"/>
           <p:cNvSpPr/>
           <p:nvPr/>
         </p:nvSpPr>
@@ -5745,7 +7524,7 @@
       </p:sp>
       <p:pic>
         <p:nvPicPr>
-          <p:cNvPr id="253" name="docker-logo.png" descr="docker-logo.png"/>
+          <p:cNvPr id="259" name="docker-logo.png" descr="docker-logo.png"/>
           <p:cNvPicPr>
             <a:picLocks noChangeAspect="1"/>
           </p:cNvPicPr>
@@ -5774,7 +7553,7 @@
       </p:pic>
       <p:sp>
         <p:nvSpPr>
-          <p:cNvPr id="254" name="EXPOSE &lt;portno&gt;"/>
+          <p:cNvPr id="260" name="EXPOSE &lt;portno&gt;"/>
           <p:cNvSpPr txBox="1"/>
           <p:nvPr/>
         </p:nvSpPr>
@@ -5818,7 +7597,7 @@
       </p:sp>
       <p:sp>
         <p:nvSpPr>
-          <p:cNvPr id="255" name="EXPOSE"/>
+          <p:cNvPr id="261" name="EXPOSE"/>
           <p:cNvSpPr txBox="1"/>
           <p:nvPr/>
         </p:nvSpPr>
@@ -5862,7 +7641,7 @@
       </p:sp>
       <p:sp>
         <p:nvSpPr>
-          <p:cNvPr id="256" name="LABEL &lt;key&gt;=&lt;val&gt;"/>
+          <p:cNvPr id="262" name="LABEL &lt;key&gt;=&lt;val&gt;"/>
           <p:cNvSpPr txBox="1"/>
           <p:nvPr/>
         </p:nvSpPr>
@@ -5906,7 +7685,7 @@
       </p:sp>
       <p:sp>
         <p:nvSpPr>
-          <p:cNvPr id="257" name="LABEL"/>
+          <p:cNvPr id="263" name="LABEL"/>
           <p:cNvSpPr txBox="1"/>
           <p:nvPr/>
         </p:nvSpPr>
@@ -5950,7 +7729,7 @@
       </p:sp>
       <p:sp>
         <p:nvSpPr>
-          <p:cNvPr id="258" name="FROM &lt;image&gt;"/>
+          <p:cNvPr id="264" name="FROM &lt;image&gt;"/>
           <p:cNvSpPr txBox="1"/>
           <p:nvPr/>
         </p:nvSpPr>
@@ -5994,7 +7773,7 @@
       </p:sp>
       <p:sp>
         <p:nvSpPr>
-          <p:cNvPr id="259" name="FROM"/>
+          <p:cNvPr id="265" name="FROM"/>
           <p:cNvSpPr txBox="1"/>
           <p:nvPr/>
         </p:nvSpPr>
@@ -6038,7 +7817,7 @@
       </p:sp>
       <p:sp>
         <p:nvSpPr>
-          <p:cNvPr id="260" name="ARG VAR=val"/>
+          <p:cNvPr id="266" name="ARG VAR=val"/>
           <p:cNvSpPr txBox="1"/>
           <p:nvPr/>
         </p:nvSpPr>
@@ -6082,7 +7861,7 @@
       </p:sp>
       <p:sp>
         <p:nvSpPr>
-          <p:cNvPr id="261" name="ARG"/>
+          <p:cNvPr id="267" name="ARG"/>
           <p:cNvSpPr txBox="1"/>
           <p:nvPr/>
         </p:nvSpPr>
@@ -6126,7 +7905,7 @@
       </p:sp>
       <p:sp>
         <p:nvSpPr>
-          <p:cNvPr id="262" name="RUN &lt;command&gt;"/>
+          <p:cNvPr id="268" name="RUN &lt;command&gt;"/>
           <p:cNvSpPr txBox="1"/>
           <p:nvPr/>
         </p:nvSpPr>
@@ -6170,7 +7949,7 @@
       </p:sp>
       <p:sp>
         <p:nvSpPr>
-          <p:cNvPr id="263" name="RUN"/>
+          <p:cNvPr id="269" name="RUN"/>
           <p:cNvSpPr txBox="1"/>
           <p:nvPr/>
         </p:nvSpPr>
@@ -6209,6 +7988,160 @@
             <a:r>
               <a:t>RUN</a:t>
             </a:r>
+          </a:p>
+        </p:txBody>
+      </p:sp>
+      <p:sp>
+        <p:nvSpPr>
+          <p:cNvPr id="270" name="Pepper"/>
+          <p:cNvSpPr/>
+          <p:nvPr/>
+        </p:nvSpPr>
+        <p:spPr>
+          <a:xfrm>
+            <a:off x="10155621" y="5241479"/>
+            <a:ext cx="773535" cy="1011988"/>
+          </a:xfrm>
+          <a:custGeom>
+            <a:avLst/>
+            <a:gdLst/>
+            <a:ahLst/>
+            <a:cxnLst>
+              <a:cxn ang="0">
+                <a:pos x="wd2" y="hd2"/>
+              </a:cxn>
+              <a:cxn ang="5400000">
+                <a:pos x="wd2" y="hd2"/>
+              </a:cxn>
+              <a:cxn ang="10800000">
+                <a:pos x="wd2" y="hd2"/>
+              </a:cxn>
+              <a:cxn ang="16200000">
+                <a:pos x="wd2" y="hd2"/>
+              </a:cxn>
+            </a:cxnLst>
+            <a:rect l="0" t="0" r="r" b="b"/>
+            <a:pathLst>
+              <a:path w="21424" h="21566" fill="norm" stroke="1" extrusionOk="0">
+                <a:moveTo>
+                  <a:pt x="7781" y="0"/>
+                </a:moveTo>
+                <a:cubicBezTo>
+                  <a:pt x="6954" y="-3"/>
+                  <a:pt x="5894" y="1019"/>
+                  <a:pt x="6088" y="1234"/>
+                </a:cubicBezTo>
+                <a:cubicBezTo>
+                  <a:pt x="6572" y="1772"/>
+                  <a:pt x="7611" y="1109"/>
+                  <a:pt x="8604" y="2332"/>
+                </a:cubicBezTo>
+                <a:cubicBezTo>
+                  <a:pt x="9098" y="2941"/>
+                  <a:pt x="9385" y="3752"/>
+                  <a:pt x="9467" y="4551"/>
+                </a:cubicBezTo>
+                <a:cubicBezTo>
+                  <a:pt x="8946" y="4544"/>
+                  <a:pt x="8490" y="4746"/>
+                  <a:pt x="8341" y="5191"/>
+                </a:cubicBezTo>
+                <a:cubicBezTo>
+                  <a:pt x="7846" y="5149"/>
+                  <a:pt x="7424" y="5362"/>
+                  <a:pt x="7170" y="5638"/>
+                </a:cubicBezTo>
+                <a:cubicBezTo>
+                  <a:pt x="5889" y="5288"/>
+                  <a:pt x="4425" y="4944"/>
+                  <a:pt x="2403" y="5754"/>
+                </a:cubicBezTo>
+                <a:cubicBezTo>
+                  <a:pt x="564" y="6474"/>
+                  <a:pt x="-16" y="8152"/>
+                  <a:pt x="1" y="10704"/>
+                </a:cubicBezTo>
+                <a:cubicBezTo>
+                  <a:pt x="17" y="13256"/>
+                  <a:pt x="2322" y="21519"/>
+                  <a:pt x="4919" y="20862"/>
+                </a:cubicBezTo>
+                <a:cubicBezTo>
+                  <a:pt x="9084" y="19808"/>
+                  <a:pt x="8768" y="21597"/>
+                  <a:pt x="10524" y="21566"/>
+                </a:cubicBezTo>
+                <a:cubicBezTo>
+                  <a:pt x="12281" y="21535"/>
+                  <a:pt x="11778" y="20499"/>
+                  <a:pt x="13765" y="20564"/>
+                </a:cubicBezTo>
+                <a:cubicBezTo>
+                  <a:pt x="14347" y="20582"/>
+                  <a:pt x="14525" y="20932"/>
+                  <a:pt x="16121" y="21059"/>
+                </a:cubicBezTo>
+                <a:cubicBezTo>
+                  <a:pt x="17282" y="21151"/>
+                  <a:pt x="20788" y="18305"/>
+                  <a:pt x="21403" y="9860"/>
+                </a:cubicBezTo>
+                <a:cubicBezTo>
+                  <a:pt x="21584" y="7366"/>
+                  <a:pt x="20657" y="6198"/>
+                  <a:pt x="17787" y="5884"/>
+                </a:cubicBezTo>
+                <a:cubicBezTo>
+                  <a:pt x="16779" y="5773"/>
+                  <a:pt x="15873" y="5853"/>
+                  <a:pt x="15079" y="5978"/>
+                </a:cubicBezTo>
+                <a:cubicBezTo>
+                  <a:pt x="14968" y="5593"/>
+                  <a:pt x="14621" y="5120"/>
+                  <a:pt x="13561" y="5316"/>
+                </a:cubicBezTo>
+                <a:cubicBezTo>
+                  <a:pt x="13336" y="4692"/>
+                  <a:pt x="12805" y="4591"/>
+                  <a:pt x="12361" y="4632"/>
+                </a:cubicBezTo>
+                <a:cubicBezTo>
+                  <a:pt x="11853" y="2935"/>
+                  <a:pt x="10670" y="927"/>
+                  <a:pt x="7943" y="16"/>
+                </a:cubicBezTo>
+                <a:cubicBezTo>
+                  <a:pt x="7890" y="6"/>
+                  <a:pt x="7836" y="1"/>
+                  <a:pt x="7781" y="0"/>
+                </a:cubicBezTo>
+                <a:close/>
+              </a:path>
+            </a:pathLst>
+          </a:custGeom>
+          <a:solidFill>
+            <a:schemeClr val="accent1"/>
+          </a:solidFill>
+          <a:ln w="12700">
+            <a:miter lim="400000"/>
+          </a:ln>
+        </p:spPr>
+        <p:txBody>
+          <a:bodyPr lIns="50800" tIns="50800" rIns="50800" bIns="50800" anchor="ctr"/>
+          <a:lstStyle/>
+          <a:p>
+            <a:pPr>
+              <a:defRPr b="0" sz="2200">
+                <a:solidFill>
+                  <a:srgbClr val="FFFFFF"/>
+                </a:solidFill>
+                <a:latin typeface="+mn-lt"/>
+                <a:ea typeface="+mn-ea"/>
+                <a:cs typeface="+mn-cs"/>
+                <a:sym typeface="Helvetica Neue Medium"/>
+              </a:defRPr>
+            </a:pPr>
           </a:p>
         </p:txBody>
       </p:sp>
@@ -6240,7 +8173,7 @@
       </p:grpSpPr>
       <p:sp>
         <p:nvSpPr>
-          <p:cNvPr id="265" name="Dockerfile"/>
+          <p:cNvPr id="272" name="Dockerfile"/>
           <p:cNvSpPr txBox="1"/>
           <p:nvPr/>
         </p:nvSpPr>
@@ -6284,7 +8217,7 @@
       </p:sp>
       <p:sp>
         <p:nvSpPr>
-          <p:cNvPr id="266" name="Line"/>
+          <p:cNvPr id="273" name="Line"/>
           <p:cNvSpPr/>
           <p:nvPr/>
         </p:nvSpPr>
@@ -6326,7 +8259,7 @@
       </p:sp>
       <p:pic>
         <p:nvPicPr>
-          <p:cNvPr id="267" name="docker-logo.png" descr="docker-logo.png"/>
+          <p:cNvPr id="274" name="docker-logo.png" descr="docker-logo.png"/>
           <p:cNvPicPr>
             <a:picLocks noChangeAspect="1"/>
           </p:cNvPicPr>
@@ -6355,7 +8288,7 @@
       </p:pic>
       <p:sp>
         <p:nvSpPr>
-          <p:cNvPr id="268" name="CMD &lt;command&gt;"/>
+          <p:cNvPr id="275" name="CMD &lt;command&gt;"/>
           <p:cNvSpPr txBox="1"/>
           <p:nvPr/>
         </p:nvSpPr>
@@ -6399,7 +8332,7 @@
       </p:sp>
       <p:sp>
         <p:nvSpPr>
-          <p:cNvPr id="269" name="CMD"/>
+          <p:cNvPr id="276" name="CMD"/>
           <p:cNvSpPr txBox="1"/>
           <p:nvPr/>
         </p:nvSpPr>
@@ -6443,7 +8376,7 @@
       </p:sp>
       <p:sp>
         <p:nvSpPr>
-          <p:cNvPr id="270" name="EXPOSE &lt;portno&gt;"/>
+          <p:cNvPr id="277" name="EXPOSE &lt;portno&gt;"/>
           <p:cNvSpPr txBox="1"/>
           <p:nvPr/>
         </p:nvSpPr>
@@ -6487,7 +8420,7 @@
       </p:sp>
       <p:sp>
         <p:nvSpPr>
-          <p:cNvPr id="271" name="EXPOSE"/>
+          <p:cNvPr id="278" name="EXPOSE"/>
           <p:cNvSpPr txBox="1"/>
           <p:nvPr/>
         </p:nvSpPr>
@@ -6531,7 +8464,7 @@
       </p:sp>
       <p:sp>
         <p:nvSpPr>
-          <p:cNvPr id="272" name="LABEL &lt;key&gt;=&lt;val&gt;"/>
+          <p:cNvPr id="279" name="LABEL &lt;key&gt;=&lt;val&gt;"/>
           <p:cNvSpPr txBox="1"/>
           <p:nvPr/>
         </p:nvSpPr>
@@ -6575,7 +8508,7 @@
       </p:sp>
       <p:sp>
         <p:nvSpPr>
-          <p:cNvPr id="273" name="LABEL"/>
+          <p:cNvPr id="280" name="LABEL"/>
           <p:cNvSpPr txBox="1"/>
           <p:nvPr/>
         </p:nvSpPr>
@@ -6619,7 +8552,7 @@
       </p:sp>
       <p:sp>
         <p:nvSpPr>
-          <p:cNvPr id="274" name="FROM &lt;image&gt;"/>
+          <p:cNvPr id="281" name="FROM &lt;image&gt;"/>
           <p:cNvSpPr txBox="1"/>
           <p:nvPr/>
         </p:nvSpPr>
@@ -6663,7 +8596,7 @@
       </p:sp>
       <p:sp>
         <p:nvSpPr>
-          <p:cNvPr id="275" name="FROM"/>
+          <p:cNvPr id="282" name="FROM"/>
           <p:cNvSpPr txBox="1"/>
           <p:nvPr/>
         </p:nvSpPr>
@@ -6707,7 +8640,7 @@
       </p:sp>
       <p:sp>
         <p:nvSpPr>
-          <p:cNvPr id="276" name="ARG VAR=val"/>
+          <p:cNvPr id="283" name="ARG VAR=val"/>
           <p:cNvSpPr txBox="1"/>
           <p:nvPr/>
         </p:nvSpPr>
@@ -6751,7 +8684,7 @@
       </p:sp>
       <p:sp>
         <p:nvSpPr>
-          <p:cNvPr id="277" name="ARG"/>
+          <p:cNvPr id="284" name="ARG"/>
           <p:cNvSpPr txBox="1"/>
           <p:nvPr/>
         </p:nvSpPr>
@@ -6795,7 +8728,7 @@
       </p:sp>
       <p:sp>
         <p:nvSpPr>
-          <p:cNvPr id="278" name="RUN &lt;command&gt;"/>
+          <p:cNvPr id="285" name="RUN &lt;command&gt;"/>
           <p:cNvSpPr txBox="1"/>
           <p:nvPr/>
         </p:nvSpPr>
@@ -6839,7 +8772,7 @@
       </p:sp>
       <p:sp>
         <p:nvSpPr>
-          <p:cNvPr id="279" name="RUN"/>
+          <p:cNvPr id="286" name="RUN"/>
           <p:cNvSpPr txBox="1"/>
           <p:nvPr/>
         </p:nvSpPr>
@@ -6878,6 +8811,151 @@
             <a:r>
               <a:t>RUN</a:t>
             </a:r>
+          </a:p>
+        </p:txBody>
+      </p:sp>
+      <p:sp>
+        <p:nvSpPr>
+          <p:cNvPr id="287" name="Drumstick"/>
+          <p:cNvSpPr/>
+          <p:nvPr/>
+        </p:nvSpPr>
+        <p:spPr>
+          <a:xfrm>
+            <a:off x="9482705" y="6344798"/>
+            <a:ext cx="1532390" cy="668805"/>
+          </a:xfrm>
+          <a:custGeom>
+            <a:avLst/>
+            <a:gdLst/>
+            <a:ahLst/>
+            <a:cxnLst>
+              <a:cxn ang="0">
+                <a:pos x="wd2" y="hd2"/>
+              </a:cxn>
+              <a:cxn ang="5400000">
+                <a:pos x="wd2" y="hd2"/>
+              </a:cxn>
+              <a:cxn ang="10800000">
+                <a:pos x="wd2" y="hd2"/>
+              </a:cxn>
+              <a:cxn ang="16200000">
+                <a:pos x="wd2" y="hd2"/>
+              </a:cxn>
+            </a:cxnLst>
+            <a:rect l="0" t="0" r="r" b="b"/>
+            <a:pathLst>
+              <a:path w="19602" h="20840" fill="norm" stroke="1" extrusionOk="0">
+                <a:moveTo>
+                  <a:pt x="15525" y="7"/>
+                </a:moveTo>
+                <a:cubicBezTo>
+                  <a:pt x="15203" y="32"/>
+                  <a:pt x="14863" y="131"/>
+                  <a:pt x="14507" y="309"/>
+                </a:cubicBezTo>
+                <a:cubicBezTo>
+                  <a:pt x="10195" y="2468"/>
+                  <a:pt x="9964" y="7748"/>
+                  <a:pt x="6953" y="9256"/>
+                </a:cubicBezTo>
+                <a:cubicBezTo>
+                  <a:pt x="6453" y="9506"/>
+                  <a:pt x="5903" y="10046"/>
+                  <a:pt x="5624" y="10937"/>
+                </a:cubicBezTo>
+                <a:cubicBezTo>
+                  <a:pt x="5575" y="11095"/>
+                  <a:pt x="5556" y="11295"/>
+                  <a:pt x="5572" y="11489"/>
+                </a:cubicBezTo>
+                <a:lnTo>
+                  <a:pt x="5591" y="11698"/>
+                </a:lnTo>
+                <a:cubicBezTo>
+                  <a:pt x="4507" y="12241"/>
+                  <a:pt x="3515" y="12735"/>
+                  <a:pt x="2852" y="13067"/>
+                </a:cubicBezTo>
+                <a:cubicBezTo>
+                  <a:pt x="1974" y="13506"/>
+                  <a:pt x="1621" y="11428"/>
+                  <a:pt x="612" y="11933"/>
+                </a:cubicBezTo>
+                <a:cubicBezTo>
+                  <a:pt x="-253" y="12366"/>
+                  <a:pt x="-141" y="15148"/>
+                  <a:pt x="569" y="16278"/>
+                </a:cubicBezTo>
+                <a:cubicBezTo>
+                  <a:pt x="646" y="16400"/>
+                  <a:pt x="668" y="16654"/>
+                  <a:pt x="617" y="16841"/>
+                </a:cubicBezTo>
+                <a:cubicBezTo>
+                  <a:pt x="147" y="18562"/>
+                  <a:pt x="494" y="21227"/>
+                  <a:pt x="1359" y="20794"/>
+                </a:cubicBezTo>
+                <a:cubicBezTo>
+                  <a:pt x="2369" y="20289"/>
+                  <a:pt x="2357" y="18038"/>
+                  <a:pt x="3235" y="17598"/>
+                </a:cubicBezTo>
+                <a:cubicBezTo>
+                  <a:pt x="3898" y="17266"/>
+                  <a:pt x="4888" y="16768"/>
+                  <a:pt x="5972" y="16226"/>
+                </a:cubicBezTo>
+                <a:lnTo>
+                  <a:pt x="5992" y="16457"/>
+                </a:lnTo>
+                <a:cubicBezTo>
+                  <a:pt x="6006" y="16629"/>
+                  <a:pt x="6047" y="16784"/>
+                  <a:pt x="6107" y="16882"/>
+                </a:cubicBezTo>
+                <a:cubicBezTo>
+                  <a:pt x="6550" y="17608"/>
+                  <a:pt x="7107" y="17418"/>
+                  <a:pt x="7621" y="17162"/>
+                </a:cubicBezTo>
+                <a:cubicBezTo>
+                  <a:pt x="10647" y="15647"/>
+                  <a:pt x="11646" y="20312"/>
+                  <a:pt x="16010" y="18127"/>
+                </a:cubicBezTo>
+                <a:cubicBezTo>
+                  <a:pt x="21347" y="15456"/>
+                  <a:pt x="20360" y="-373"/>
+                  <a:pt x="15525" y="7"/>
+                </a:cubicBezTo>
+                <a:close/>
+              </a:path>
+            </a:pathLst>
+          </a:custGeom>
+          <a:solidFill>
+            <a:schemeClr val="accent1"/>
+          </a:solidFill>
+          <a:ln w="12700">
+            <a:miter lim="400000"/>
+          </a:ln>
+        </p:spPr>
+        <p:txBody>
+          <a:bodyPr lIns="50800" tIns="50800" rIns="50800" bIns="50800" anchor="ctr"/>
+          <a:lstStyle/>
+          <a:p>
+            <a:pPr>
+              <a:defRPr b="0" sz="2200">
+                <a:solidFill>
+                  <a:srgbClr val="FFFFFF"/>
+                </a:solidFill>
+                <a:latin typeface="+mn-lt"/>
+                <a:ea typeface="+mn-ea"/>
+                <a:cs typeface="+mn-cs"/>
+                <a:sym typeface="Helvetica Neue Medium"/>
+              </a:defRPr>
+            </a:pPr>
           </a:p>
         </p:txBody>
       </p:sp>
@@ -6909,7 +8987,7 @@
       </p:grpSpPr>
       <p:sp>
         <p:nvSpPr>
-          <p:cNvPr id="281" name="Dockerfile"/>
+          <p:cNvPr id="289" name="Dockerfile"/>
           <p:cNvSpPr txBox="1"/>
           <p:nvPr/>
         </p:nvSpPr>
@@ -6953,7 +9031,7 @@
       </p:sp>
       <p:sp>
         <p:nvSpPr>
-          <p:cNvPr id="282" name="Line"/>
+          <p:cNvPr id="290" name="Line"/>
           <p:cNvSpPr/>
           <p:nvPr/>
         </p:nvSpPr>
@@ -6995,7 +9073,7 @@
       </p:sp>
       <p:pic>
         <p:nvPicPr>
-          <p:cNvPr id="283" name="docker-logo.png" descr="docker-logo.png"/>
+          <p:cNvPr id="291" name="docker-logo.png" descr="docker-logo.png"/>
           <p:cNvPicPr>
             <a:picLocks noChangeAspect="1"/>
           </p:cNvPicPr>
@@ -7024,7 +9102,7 @@
       </p:pic>
       <p:sp>
         <p:nvSpPr>
-          <p:cNvPr id="284" name="ENV &lt;key&gt;=&lt;val&gt;"/>
+          <p:cNvPr id="292" name="ENV &lt;key&gt;=&lt;val&gt;"/>
           <p:cNvSpPr txBox="1"/>
           <p:nvPr/>
         </p:nvSpPr>
@@ -7068,7 +9146,7 @@
       </p:sp>
       <p:sp>
         <p:nvSpPr>
-          <p:cNvPr id="285" name="ENV"/>
+          <p:cNvPr id="293" name="ENV"/>
           <p:cNvSpPr txBox="1"/>
           <p:nvPr/>
         </p:nvSpPr>
@@ -7112,7 +9190,7 @@
       </p:sp>
       <p:sp>
         <p:nvSpPr>
-          <p:cNvPr id="286" name="CMD &lt;command&gt;"/>
+          <p:cNvPr id="294" name="CMD &lt;command&gt;"/>
           <p:cNvSpPr txBox="1"/>
           <p:nvPr/>
         </p:nvSpPr>
@@ -7156,7 +9234,7 @@
       </p:sp>
       <p:sp>
         <p:nvSpPr>
-          <p:cNvPr id="287" name="CMD"/>
+          <p:cNvPr id="295" name="CMD"/>
           <p:cNvSpPr txBox="1"/>
           <p:nvPr/>
         </p:nvSpPr>
@@ -7200,7 +9278,7 @@
       </p:sp>
       <p:sp>
         <p:nvSpPr>
-          <p:cNvPr id="288" name="EXPOSE &lt;portno&gt;"/>
+          <p:cNvPr id="296" name="EXPOSE &lt;portno&gt;"/>
           <p:cNvSpPr txBox="1"/>
           <p:nvPr/>
         </p:nvSpPr>
@@ -7244,7 +9322,7 @@
       </p:sp>
       <p:sp>
         <p:nvSpPr>
-          <p:cNvPr id="289" name="EXPOSE"/>
+          <p:cNvPr id="297" name="EXPOSE"/>
           <p:cNvSpPr txBox="1"/>
           <p:nvPr/>
         </p:nvSpPr>
@@ -7288,7 +9366,7 @@
       </p:sp>
       <p:sp>
         <p:nvSpPr>
-          <p:cNvPr id="290" name="LABEL &lt;key&gt;=&lt;val&gt;"/>
+          <p:cNvPr id="298" name="LABEL &lt;key&gt;=&lt;val&gt;"/>
           <p:cNvSpPr txBox="1"/>
           <p:nvPr/>
         </p:nvSpPr>
@@ -7332,7 +9410,7 @@
       </p:sp>
       <p:sp>
         <p:nvSpPr>
-          <p:cNvPr id="291" name="LABEL"/>
+          <p:cNvPr id="299" name="LABEL"/>
           <p:cNvSpPr txBox="1"/>
           <p:nvPr/>
         </p:nvSpPr>
@@ -7376,7 +9454,7 @@
       </p:sp>
       <p:sp>
         <p:nvSpPr>
-          <p:cNvPr id="292" name="FROM &lt;image&gt;"/>
+          <p:cNvPr id="300" name="FROM &lt;image&gt;"/>
           <p:cNvSpPr txBox="1"/>
           <p:nvPr/>
         </p:nvSpPr>
@@ -7420,7 +9498,7 @@
       </p:sp>
       <p:sp>
         <p:nvSpPr>
-          <p:cNvPr id="293" name="FROM"/>
+          <p:cNvPr id="301" name="FROM"/>
           <p:cNvSpPr txBox="1"/>
           <p:nvPr/>
         </p:nvSpPr>
@@ -7464,7 +9542,7 @@
       </p:sp>
       <p:sp>
         <p:nvSpPr>
-          <p:cNvPr id="294" name="ARG VAR=val"/>
+          <p:cNvPr id="302" name="ARG VAR=val"/>
           <p:cNvSpPr txBox="1"/>
           <p:nvPr/>
         </p:nvSpPr>
@@ -7508,7 +9586,7 @@
       </p:sp>
       <p:sp>
         <p:nvSpPr>
-          <p:cNvPr id="295" name="ARG"/>
+          <p:cNvPr id="303" name="ARG"/>
           <p:cNvSpPr txBox="1"/>
           <p:nvPr/>
         </p:nvSpPr>
@@ -7552,7 +9630,7 @@
       </p:sp>
       <p:sp>
         <p:nvSpPr>
-          <p:cNvPr id="296" name="RUN &lt;command&gt;"/>
+          <p:cNvPr id="304" name="RUN &lt;command&gt;"/>
           <p:cNvSpPr txBox="1"/>
           <p:nvPr/>
         </p:nvSpPr>
@@ -7596,7 +9674,7 @@
       </p:sp>
       <p:sp>
         <p:nvSpPr>
-          <p:cNvPr id="297" name="RUN"/>
+          <p:cNvPr id="305" name="RUN"/>
           <p:cNvSpPr txBox="1"/>
           <p:nvPr/>
         </p:nvSpPr>
@@ -7635,6 +9713,627 @@
             <a:r>
               <a:t>RUN</a:t>
             </a:r>
+          </a:p>
+        </p:txBody>
+      </p:sp>
+      <p:sp>
+        <p:nvSpPr>
+          <p:cNvPr id="306" name="Pie"/>
+          <p:cNvSpPr/>
+          <p:nvPr/>
+        </p:nvSpPr>
+        <p:spPr>
+          <a:xfrm>
+            <a:off x="9612849" y="7141487"/>
+            <a:ext cx="1500702" cy="396228"/>
+          </a:xfrm>
+          <a:custGeom>
+            <a:avLst/>
+            <a:gdLst/>
+            <a:ahLst/>
+            <a:cxnLst>
+              <a:cxn ang="0">
+                <a:pos x="wd2" y="hd2"/>
+              </a:cxn>
+              <a:cxn ang="5400000">
+                <a:pos x="wd2" y="hd2"/>
+              </a:cxn>
+              <a:cxn ang="10800000">
+                <a:pos x="wd2" y="hd2"/>
+              </a:cxn>
+              <a:cxn ang="16200000">
+                <a:pos x="wd2" y="hd2"/>
+              </a:cxn>
+            </a:cxnLst>
+            <a:rect l="0" t="0" r="r" b="b"/>
+            <a:pathLst>
+              <a:path w="21595" h="21600" fill="norm" stroke="1" extrusionOk="0">
+                <a:moveTo>
+                  <a:pt x="10812" y="0"/>
+                </a:moveTo>
+                <a:cubicBezTo>
+                  <a:pt x="10303" y="0"/>
+                  <a:pt x="9795" y="165"/>
+                  <a:pt x="9293" y="492"/>
+                </a:cubicBezTo>
+                <a:lnTo>
+                  <a:pt x="7859" y="1430"/>
+                </a:lnTo>
+                <a:cubicBezTo>
+                  <a:pt x="7390" y="1737"/>
+                  <a:pt x="6915" y="1903"/>
+                  <a:pt x="6435" y="1903"/>
+                </a:cubicBezTo>
+                <a:lnTo>
+                  <a:pt x="4876" y="1903"/>
+                </a:lnTo>
+                <a:cubicBezTo>
+                  <a:pt x="3905" y="1903"/>
+                  <a:pt x="2940" y="2539"/>
+                  <a:pt x="2017" y="3805"/>
+                </a:cubicBezTo>
+                <a:lnTo>
+                  <a:pt x="1495" y="4520"/>
+                </a:lnTo>
+                <a:cubicBezTo>
+                  <a:pt x="1452" y="4582"/>
+                  <a:pt x="1456" y="4807"/>
+                  <a:pt x="1505" y="4827"/>
+                </a:cubicBezTo>
+                <a:cubicBezTo>
+                  <a:pt x="1683" y="4929"/>
+                  <a:pt x="1855" y="5087"/>
+                  <a:pt x="2001" y="5312"/>
+                </a:cubicBezTo>
+                <a:cubicBezTo>
+                  <a:pt x="2254" y="5700"/>
+                  <a:pt x="2535" y="5706"/>
+                  <a:pt x="2794" y="5338"/>
+                </a:cubicBezTo>
+                <a:cubicBezTo>
+                  <a:pt x="3075" y="4929"/>
+                  <a:pt x="3430" y="4680"/>
+                  <a:pt x="3802" y="4680"/>
+                </a:cubicBezTo>
+                <a:cubicBezTo>
+                  <a:pt x="4169" y="4680"/>
+                  <a:pt x="4531" y="4909"/>
+                  <a:pt x="4812" y="5338"/>
+                </a:cubicBezTo>
+                <a:cubicBezTo>
+                  <a:pt x="5065" y="5706"/>
+                  <a:pt x="5345" y="5706"/>
+                  <a:pt x="5599" y="5338"/>
+                </a:cubicBezTo>
+                <a:cubicBezTo>
+                  <a:pt x="5879" y="4929"/>
+                  <a:pt x="6240" y="4680"/>
+                  <a:pt x="6607" y="4680"/>
+                </a:cubicBezTo>
+                <a:cubicBezTo>
+                  <a:pt x="6973" y="4680"/>
+                  <a:pt x="7336" y="4909"/>
+                  <a:pt x="7616" y="5338"/>
+                </a:cubicBezTo>
+                <a:cubicBezTo>
+                  <a:pt x="7870" y="5706"/>
+                  <a:pt x="8150" y="5706"/>
+                  <a:pt x="8403" y="5338"/>
+                </a:cubicBezTo>
+                <a:cubicBezTo>
+                  <a:pt x="8684" y="4929"/>
+                  <a:pt x="9044" y="4680"/>
+                  <a:pt x="9411" y="4680"/>
+                </a:cubicBezTo>
+                <a:cubicBezTo>
+                  <a:pt x="9778" y="4680"/>
+                  <a:pt x="10140" y="4909"/>
+                  <a:pt x="10421" y="5338"/>
+                </a:cubicBezTo>
+                <a:cubicBezTo>
+                  <a:pt x="10674" y="5706"/>
+                  <a:pt x="10954" y="5706"/>
+                  <a:pt x="11208" y="5338"/>
+                </a:cubicBezTo>
+                <a:cubicBezTo>
+                  <a:pt x="11488" y="4929"/>
+                  <a:pt x="11849" y="4680"/>
+                  <a:pt x="12216" y="4680"/>
+                </a:cubicBezTo>
+                <a:cubicBezTo>
+                  <a:pt x="12582" y="4680"/>
+                  <a:pt x="12945" y="4909"/>
+                  <a:pt x="13225" y="5338"/>
+                </a:cubicBezTo>
+                <a:cubicBezTo>
+                  <a:pt x="13479" y="5706"/>
+                  <a:pt x="13759" y="5706"/>
+                  <a:pt x="14012" y="5338"/>
+                </a:cubicBezTo>
+                <a:cubicBezTo>
+                  <a:pt x="14293" y="4929"/>
+                  <a:pt x="14653" y="4680"/>
+                  <a:pt x="15020" y="4680"/>
+                </a:cubicBezTo>
+                <a:cubicBezTo>
+                  <a:pt x="15387" y="4680"/>
+                  <a:pt x="15749" y="4909"/>
+                  <a:pt x="16030" y="5338"/>
+                </a:cubicBezTo>
+                <a:cubicBezTo>
+                  <a:pt x="16283" y="5706"/>
+                  <a:pt x="16563" y="5706"/>
+                  <a:pt x="16817" y="5338"/>
+                </a:cubicBezTo>
+                <a:cubicBezTo>
+                  <a:pt x="17097" y="4929"/>
+                  <a:pt x="17458" y="4680"/>
+                  <a:pt x="17824" y="4680"/>
+                </a:cubicBezTo>
+                <a:cubicBezTo>
+                  <a:pt x="18191" y="4680"/>
+                  <a:pt x="18548" y="4904"/>
+                  <a:pt x="18834" y="5312"/>
+                </a:cubicBezTo>
+                <a:cubicBezTo>
+                  <a:pt x="19087" y="5680"/>
+                  <a:pt x="19373" y="5700"/>
+                  <a:pt x="19626" y="5312"/>
+                </a:cubicBezTo>
+                <a:cubicBezTo>
+                  <a:pt x="19772" y="5087"/>
+                  <a:pt x="19944" y="4929"/>
+                  <a:pt x="20122" y="4827"/>
+                </a:cubicBezTo>
+                <a:cubicBezTo>
+                  <a:pt x="20165" y="4807"/>
+                  <a:pt x="20171" y="4561"/>
+                  <a:pt x="20133" y="4520"/>
+                </a:cubicBezTo>
+                <a:lnTo>
+                  <a:pt x="19609" y="3805"/>
+                </a:lnTo>
+                <a:cubicBezTo>
+                  <a:pt x="18687" y="2539"/>
+                  <a:pt x="17722" y="1903"/>
+                  <a:pt x="16751" y="1903"/>
+                </a:cubicBezTo>
+                <a:lnTo>
+                  <a:pt x="15194" y="1903"/>
+                </a:lnTo>
+                <a:cubicBezTo>
+                  <a:pt x="14719" y="1903"/>
+                  <a:pt x="14244" y="1737"/>
+                  <a:pt x="13769" y="1430"/>
+                </a:cubicBezTo>
+                <a:lnTo>
+                  <a:pt x="12335" y="492"/>
+                </a:lnTo>
+                <a:cubicBezTo>
+                  <a:pt x="11831" y="165"/>
+                  <a:pt x="11321" y="0"/>
+                  <a:pt x="10812" y="0"/>
+                </a:cubicBezTo>
+                <a:close/>
+                <a:moveTo>
+                  <a:pt x="966" y="5644"/>
+                </a:moveTo>
+                <a:cubicBezTo>
+                  <a:pt x="324" y="5644"/>
+                  <a:pt x="0" y="6336"/>
+                  <a:pt x="0" y="7726"/>
+                </a:cubicBezTo>
+                <a:cubicBezTo>
+                  <a:pt x="0" y="9115"/>
+                  <a:pt x="324" y="9807"/>
+                  <a:pt x="966" y="9807"/>
+                </a:cubicBezTo>
+                <a:cubicBezTo>
+                  <a:pt x="1305" y="9807"/>
+                  <a:pt x="1629" y="9607"/>
+                  <a:pt x="1883" y="9239"/>
+                </a:cubicBezTo>
+                <a:cubicBezTo>
+                  <a:pt x="2195" y="8769"/>
+                  <a:pt x="2540" y="8769"/>
+                  <a:pt x="2858" y="9239"/>
+                </a:cubicBezTo>
+                <a:cubicBezTo>
+                  <a:pt x="3112" y="9607"/>
+                  <a:pt x="3435" y="9807"/>
+                  <a:pt x="3775" y="9807"/>
+                </a:cubicBezTo>
+                <a:cubicBezTo>
+                  <a:pt x="4115" y="9807"/>
+                  <a:pt x="4439" y="9607"/>
+                  <a:pt x="4692" y="9239"/>
+                </a:cubicBezTo>
+                <a:cubicBezTo>
+                  <a:pt x="5005" y="8769"/>
+                  <a:pt x="5350" y="8769"/>
+                  <a:pt x="5668" y="9239"/>
+                </a:cubicBezTo>
+                <a:cubicBezTo>
+                  <a:pt x="5921" y="9607"/>
+                  <a:pt x="6245" y="9807"/>
+                  <a:pt x="6585" y="9807"/>
+                </a:cubicBezTo>
+                <a:cubicBezTo>
+                  <a:pt x="6924" y="9807"/>
+                  <a:pt x="7248" y="9607"/>
+                  <a:pt x="7502" y="9239"/>
+                </a:cubicBezTo>
+                <a:cubicBezTo>
+                  <a:pt x="7814" y="8769"/>
+                  <a:pt x="8161" y="8769"/>
+                  <a:pt x="8479" y="9239"/>
+                </a:cubicBezTo>
+                <a:cubicBezTo>
+                  <a:pt x="8733" y="9607"/>
+                  <a:pt x="9056" y="9807"/>
+                  <a:pt x="9396" y="9807"/>
+                </a:cubicBezTo>
+                <a:cubicBezTo>
+                  <a:pt x="9736" y="9807"/>
+                  <a:pt x="10059" y="9607"/>
+                  <a:pt x="10313" y="9239"/>
+                </a:cubicBezTo>
+                <a:cubicBezTo>
+                  <a:pt x="10626" y="8769"/>
+                  <a:pt x="10970" y="8769"/>
+                  <a:pt x="11289" y="9239"/>
+                </a:cubicBezTo>
+                <a:cubicBezTo>
+                  <a:pt x="11542" y="9607"/>
+                  <a:pt x="11866" y="9807"/>
+                  <a:pt x="12205" y="9807"/>
+                </a:cubicBezTo>
+                <a:cubicBezTo>
+                  <a:pt x="12545" y="9807"/>
+                  <a:pt x="12869" y="9607"/>
+                  <a:pt x="13122" y="9239"/>
+                </a:cubicBezTo>
+                <a:cubicBezTo>
+                  <a:pt x="13435" y="8769"/>
+                  <a:pt x="13780" y="8769"/>
+                  <a:pt x="14098" y="9239"/>
+                </a:cubicBezTo>
+                <a:cubicBezTo>
+                  <a:pt x="14352" y="9607"/>
+                  <a:pt x="14675" y="9807"/>
+                  <a:pt x="15015" y="9807"/>
+                </a:cubicBezTo>
+                <a:cubicBezTo>
+                  <a:pt x="15355" y="9807"/>
+                  <a:pt x="15678" y="9607"/>
+                  <a:pt x="15932" y="9239"/>
+                </a:cubicBezTo>
+                <a:cubicBezTo>
+                  <a:pt x="16245" y="8769"/>
+                  <a:pt x="16589" y="8769"/>
+                  <a:pt x="16908" y="9239"/>
+                </a:cubicBezTo>
+                <a:cubicBezTo>
+                  <a:pt x="17161" y="9607"/>
+                  <a:pt x="17485" y="9807"/>
+                  <a:pt x="17824" y="9807"/>
+                </a:cubicBezTo>
+                <a:cubicBezTo>
+                  <a:pt x="18164" y="9807"/>
+                  <a:pt x="18488" y="9607"/>
+                  <a:pt x="18741" y="9239"/>
+                </a:cubicBezTo>
+                <a:cubicBezTo>
+                  <a:pt x="18898" y="9014"/>
+                  <a:pt x="19065" y="8888"/>
+                  <a:pt x="19227" y="8888"/>
+                </a:cubicBezTo>
+                <a:cubicBezTo>
+                  <a:pt x="19394" y="8888"/>
+                  <a:pt x="19556" y="9014"/>
+                  <a:pt x="19712" y="9239"/>
+                </a:cubicBezTo>
+                <a:cubicBezTo>
+                  <a:pt x="19966" y="9607"/>
+                  <a:pt x="20289" y="9807"/>
+                  <a:pt x="20629" y="9807"/>
+                </a:cubicBezTo>
+                <a:cubicBezTo>
+                  <a:pt x="21271" y="9807"/>
+                  <a:pt x="21595" y="9115"/>
+                  <a:pt x="21595" y="7726"/>
+                </a:cubicBezTo>
+                <a:cubicBezTo>
+                  <a:pt x="21600" y="6336"/>
+                  <a:pt x="21276" y="5644"/>
+                  <a:pt x="20634" y="5644"/>
+                </a:cubicBezTo>
+                <a:cubicBezTo>
+                  <a:pt x="20294" y="5644"/>
+                  <a:pt x="19971" y="5845"/>
+                  <a:pt x="19717" y="6212"/>
+                </a:cubicBezTo>
+                <a:cubicBezTo>
+                  <a:pt x="19404" y="6682"/>
+                  <a:pt x="19059" y="6682"/>
+                  <a:pt x="18741" y="6212"/>
+                </a:cubicBezTo>
+                <a:cubicBezTo>
+                  <a:pt x="18488" y="5845"/>
+                  <a:pt x="18164" y="5644"/>
+                  <a:pt x="17824" y="5644"/>
+                </a:cubicBezTo>
+                <a:cubicBezTo>
+                  <a:pt x="17485" y="5644"/>
+                  <a:pt x="17161" y="5845"/>
+                  <a:pt x="16908" y="6212"/>
+                </a:cubicBezTo>
+                <a:cubicBezTo>
+                  <a:pt x="16595" y="6682"/>
+                  <a:pt x="16250" y="6682"/>
+                  <a:pt x="15932" y="6212"/>
+                </a:cubicBezTo>
+                <a:cubicBezTo>
+                  <a:pt x="15678" y="5845"/>
+                  <a:pt x="15355" y="5644"/>
+                  <a:pt x="15015" y="5644"/>
+                </a:cubicBezTo>
+                <a:cubicBezTo>
+                  <a:pt x="14675" y="5644"/>
+                  <a:pt x="14352" y="5845"/>
+                  <a:pt x="14098" y="6212"/>
+                </a:cubicBezTo>
+                <a:cubicBezTo>
+                  <a:pt x="13785" y="6682"/>
+                  <a:pt x="13440" y="6682"/>
+                  <a:pt x="13122" y="6212"/>
+                </a:cubicBezTo>
+                <a:cubicBezTo>
+                  <a:pt x="12869" y="5845"/>
+                  <a:pt x="12545" y="5644"/>
+                  <a:pt x="12205" y="5644"/>
+                </a:cubicBezTo>
+                <a:cubicBezTo>
+                  <a:pt x="11866" y="5644"/>
+                  <a:pt x="11542" y="5845"/>
+                  <a:pt x="11289" y="6212"/>
+                </a:cubicBezTo>
+                <a:cubicBezTo>
+                  <a:pt x="10976" y="6682"/>
+                  <a:pt x="10631" y="6682"/>
+                  <a:pt x="10313" y="6212"/>
+                </a:cubicBezTo>
+                <a:cubicBezTo>
+                  <a:pt x="10059" y="5845"/>
+                  <a:pt x="9736" y="5644"/>
+                  <a:pt x="9396" y="5644"/>
+                </a:cubicBezTo>
+                <a:cubicBezTo>
+                  <a:pt x="9056" y="5644"/>
+                  <a:pt x="8733" y="5845"/>
+                  <a:pt x="8479" y="6212"/>
+                </a:cubicBezTo>
+                <a:cubicBezTo>
+                  <a:pt x="8166" y="6682"/>
+                  <a:pt x="7820" y="6682"/>
+                  <a:pt x="7502" y="6212"/>
+                </a:cubicBezTo>
+                <a:cubicBezTo>
+                  <a:pt x="7248" y="5845"/>
+                  <a:pt x="6924" y="5644"/>
+                  <a:pt x="6585" y="5644"/>
+                </a:cubicBezTo>
+                <a:cubicBezTo>
+                  <a:pt x="6245" y="5644"/>
+                  <a:pt x="5921" y="5845"/>
+                  <a:pt x="5668" y="6212"/>
+                </a:cubicBezTo>
+                <a:cubicBezTo>
+                  <a:pt x="5355" y="6682"/>
+                  <a:pt x="5010" y="6682"/>
+                  <a:pt x="4692" y="6212"/>
+                </a:cubicBezTo>
+                <a:cubicBezTo>
+                  <a:pt x="4439" y="5845"/>
+                  <a:pt x="4115" y="5644"/>
+                  <a:pt x="3775" y="5644"/>
+                </a:cubicBezTo>
+                <a:cubicBezTo>
+                  <a:pt x="3435" y="5644"/>
+                  <a:pt x="3112" y="5845"/>
+                  <a:pt x="2858" y="6212"/>
+                </a:cubicBezTo>
+                <a:cubicBezTo>
+                  <a:pt x="2546" y="6682"/>
+                  <a:pt x="2201" y="6682"/>
+                  <a:pt x="1883" y="6212"/>
+                </a:cubicBezTo>
+                <a:cubicBezTo>
+                  <a:pt x="1629" y="5845"/>
+                  <a:pt x="1305" y="5644"/>
+                  <a:pt x="966" y="5644"/>
+                </a:cubicBezTo>
+                <a:close/>
+                <a:moveTo>
+                  <a:pt x="2395" y="9839"/>
+                </a:moveTo>
+                <a:cubicBezTo>
+                  <a:pt x="2261" y="9839"/>
+                  <a:pt x="2127" y="9930"/>
+                  <a:pt x="2001" y="10114"/>
+                </a:cubicBezTo>
+                <a:cubicBezTo>
+                  <a:pt x="1720" y="10543"/>
+                  <a:pt x="1359" y="10771"/>
+                  <a:pt x="993" y="10771"/>
+                </a:cubicBezTo>
+                <a:cubicBezTo>
+                  <a:pt x="955" y="10771"/>
+                  <a:pt x="917" y="10771"/>
+                  <a:pt x="885" y="10771"/>
+                </a:cubicBezTo>
+                <a:cubicBezTo>
+                  <a:pt x="852" y="10771"/>
+                  <a:pt x="832" y="10912"/>
+                  <a:pt x="848" y="11014"/>
+                </a:cubicBezTo>
+                <a:lnTo>
+                  <a:pt x="2287" y="20476"/>
+                </a:lnTo>
+                <a:cubicBezTo>
+                  <a:pt x="2395" y="21171"/>
+                  <a:pt x="2589" y="21600"/>
+                  <a:pt x="2799" y="21600"/>
+                </a:cubicBezTo>
+                <a:cubicBezTo>
+                  <a:pt x="2260" y="21600"/>
+                  <a:pt x="18180" y="21600"/>
+                  <a:pt x="18827" y="21600"/>
+                </a:cubicBezTo>
+                <a:cubicBezTo>
+                  <a:pt x="19038" y="21600"/>
+                  <a:pt x="19232" y="21171"/>
+                  <a:pt x="19340" y="20476"/>
+                </a:cubicBezTo>
+                <a:lnTo>
+                  <a:pt x="20781" y="11014"/>
+                </a:lnTo>
+                <a:cubicBezTo>
+                  <a:pt x="20797" y="10912"/>
+                  <a:pt x="20774" y="10771"/>
+                  <a:pt x="20742" y="10771"/>
+                </a:cubicBezTo>
+                <a:cubicBezTo>
+                  <a:pt x="20704" y="10771"/>
+                  <a:pt x="20672" y="10771"/>
+                  <a:pt x="20634" y="10771"/>
+                </a:cubicBezTo>
+                <a:cubicBezTo>
+                  <a:pt x="20267" y="10771"/>
+                  <a:pt x="19907" y="10543"/>
+                  <a:pt x="19616" y="10114"/>
+                </a:cubicBezTo>
+                <a:cubicBezTo>
+                  <a:pt x="19363" y="9746"/>
+                  <a:pt x="19081" y="9746"/>
+                  <a:pt x="18827" y="10114"/>
+                </a:cubicBezTo>
+                <a:cubicBezTo>
+                  <a:pt x="18547" y="10543"/>
+                  <a:pt x="18186" y="10771"/>
+                  <a:pt x="17819" y="10771"/>
+                </a:cubicBezTo>
+                <a:cubicBezTo>
+                  <a:pt x="17453" y="10771"/>
+                  <a:pt x="17092" y="10522"/>
+                  <a:pt x="16812" y="10114"/>
+                </a:cubicBezTo>
+                <a:cubicBezTo>
+                  <a:pt x="16558" y="9746"/>
+                  <a:pt x="16276" y="9746"/>
+                  <a:pt x="16023" y="10114"/>
+                </a:cubicBezTo>
+                <a:cubicBezTo>
+                  <a:pt x="15742" y="10543"/>
+                  <a:pt x="15382" y="10771"/>
+                  <a:pt x="15015" y="10771"/>
+                </a:cubicBezTo>
+                <a:cubicBezTo>
+                  <a:pt x="14648" y="10771"/>
+                  <a:pt x="14288" y="10522"/>
+                  <a:pt x="14007" y="10114"/>
+                </a:cubicBezTo>
+                <a:cubicBezTo>
+                  <a:pt x="13754" y="9746"/>
+                  <a:pt x="13472" y="9746"/>
+                  <a:pt x="13218" y="10114"/>
+                </a:cubicBezTo>
+                <a:cubicBezTo>
+                  <a:pt x="12938" y="10543"/>
+                  <a:pt x="12577" y="10771"/>
+                  <a:pt x="12210" y="10771"/>
+                </a:cubicBezTo>
+                <a:cubicBezTo>
+                  <a:pt x="11844" y="10771"/>
+                  <a:pt x="11483" y="10522"/>
+                  <a:pt x="11203" y="10114"/>
+                </a:cubicBezTo>
+                <a:cubicBezTo>
+                  <a:pt x="10949" y="9746"/>
+                  <a:pt x="10667" y="9746"/>
+                  <a:pt x="10414" y="10114"/>
+                </a:cubicBezTo>
+                <a:cubicBezTo>
+                  <a:pt x="10133" y="10543"/>
+                  <a:pt x="9773" y="10771"/>
+                  <a:pt x="9406" y="10771"/>
+                </a:cubicBezTo>
+                <a:cubicBezTo>
+                  <a:pt x="9039" y="10771"/>
+                  <a:pt x="8679" y="10522"/>
+                  <a:pt x="8398" y="10114"/>
+                </a:cubicBezTo>
+                <a:cubicBezTo>
+                  <a:pt x="8145" y="9746"/>
+                  <a:pt x="7863" y="9746"/>
+                  <a:pt x="7609" y="10114"/>
+                </a:cubicBezTo>
+                <a:cubicBezTo>
+                  <a:pt x="7329" y="10543"/>
+                  <a:pt x="6968" y="10771"/>
+                  <a:pt x="6602" y="10771"/>
+                </a:cubicBezTo>
+                <a:cubicBezTo>
+                  <a:pt x="6235" y="10771"/>
+                  <a:pt x="5874" y="10522"/>
+                  <a:pt x="5594" y="10114"/>
+                </a:cubicBezTo>
+                <a:cubicBezTo>
+                  <a:pt x="5340" y="9746"/>
+                  <a:pt x="5058" y="9746"/>
+                  <a:pt x="4805" y="10114"/>
+                </a:cubicBezTo>
+                <a:cubicBezTo>
+                  <a:pt x="4525" y="10543"/>
+                  <a:pt x="4164" y="10771"/>
+                  <a:pt x="3797" y="10771"/>
+                </a:cubicBezTo>
+                <a:cubicBezTo>
+                  <a:pt x="3430" y="10771"/>
+                  <a:pt x="3070" y="10522"/>
+                  <a:pt x="2789" y="10114"/>
+                </a:cubicBezTo>
+                <a:cubicBezTo>
+                  <a:pt x="2663" y="9930"/>
+                  <a:pt x="2528" y="9839"/>
+                  <a:pt x="2395" y="9839"/>
+                </a:cubicBezTo>
+                <a:close/>
+              </a:path>
+            </a:pathLst>
+          </a:custGeom>
+          <a:solidFill>
+            <a:schemeClr val="accent1"/>
+          </a:solidFill>
+          <a:ln w="12700">
+            <a:miter lim="400000"/>
+          </a:ln>
+        </p:spPr>
+        <p:txBody>
+          <a:bodyPr lIns="50800" tIns="50800" rIns="50800" bIns="50800" anchor="ctr"/>
+          <a:lstStyle/>
+          <a:p>
+            <a:pPr>
+              <a:defRPr b="0" sz="2200">
+                <a:solidFill>
+                  <a:srgbClr val="FFFFFF"/>
+                </a:solidFill>
+                <a:latin typeface="+mn-lt"/>
+                <a:ea typeface="+mn-ea"/>
+                <a:cs typeface="+mn-cs"/>
+                <a:sym typeface="Helvetica Neue Medium"/>
+              </a:defRPr>
+            </a:pPr>
           </a:p>
         </p:txBody>
       </p:sp>
@@ -8007,7 +10706,7 @@
       </p:grpSpPr>
       <p:sp>
         <p:nvSpPr>
-          <p:cNvPr id="299" name="Dockerfile"/>
+          <p:cNvPr id="308" name="Dockerfile"/>
           <p:cNvSpPr txBox="1"/>
           <p:nvPr/>
         </p:nvSpPr>
@@ -8051,7 +10750,7 @@
       </p:sp>
       <p:sp>
         <p:nvSpPr>
-          <p:cNvPr id="300" name="Line"/>
+          <p:cNvPr id="309" name="Line"/>
           <p:cNvSpPr/>
           <p:nvPr/>
         </p:nvSpPr>
@@ -8093,7 +10792,7 @@
       </p:sp>
       <p:pic>
         <p:nvPicPr>
-          <p:cNvPr id="301" name="docker-logo.png" descr="docker-logo.png"/>
+          <p:cNvPr id="310" name="docker-logo.png" descr="docker-logo.png"/>
           <p:cNvPicPr>
             <a:picLocks noChangeAspect="1"/>
           </p:cNvPicPr>
@@ -8122,7 +10821,7 @@
       </p:pic>
       <p:sp>
         <p:nvSpPr>
-          <p:cNvPr id="302" name="ADD &lt;command&gt;"/>
+          <p:cNvPr id="311" name="ADD &lt;command&gt;"/>
           <p:cNvSpPr txBox="1"/>
           <p:nvPr/>
         </p:nvSpPr>
@@ -8166,7 +10865,7 @@
       </p:sp>
       <p:sp>
         <p:nvSpPr>
-          <p:cNvPr id="303" name="ADD"/>
+          <p:cNvPr id="312" name="ADD"/>
           <p:cNvSpPr txBox="1"/>
           <p:nvPr/>
         </p:nvSpPr>
@@ -8210,7 +10909,7 @@
       </p:sp>
       <p:sp>
         <p:nvSpPr>
-          <p:cNvPr id="304" name="ENV &lt;key&gt;=&lt;val&gt;"/>
+          <p:cNvPr id="313" name="ENV &lt;key&gt;=&lt;val&gt;"/>
           <p:cNvSpPr txBox="1"/>
           <p:nvPr/>
         </p:nvSpPr>
@@ -8254,7 +10953,7 @@
       </p:sp>
       <p:sp>
         <p:nvSpPr>
-          <p:cNvPr id="305" name="ENV"/>
+          <p:cNvPr id="314" name="ENV"/>
           <p:cNvSpPr txBox="1"/>
           <p:nvPr/>
         </p:nvSpPr>
@@ -8298,7 +10997,7 @@
       </p:sp>
       <p:sp>
         <p:nvSpPr>
-          <p:cNvPr id="306" name="CMD &lt;command&gt;"/>
+          <p:cNvPr id="315" name="CMD &lt;command&gt;"/>
           <p:cNvSpPr txBox="1"/>
           <p:nvPr/>
         </p:nvSpPr>
@@ -8342,7 +11041,7 @@
       </p:sp>
       <p:sp>
         <p:nvSpPr>
-          <p:cNvPr id="307" name="CMD"/>
+          <p:cNvPr id="316" name="CMD"/>
           <p:cNvSpPr txBox="1"/>
           <p:nvPr/>
         </p:nvSpPr>
@@ -8386,7 +11085,7 @@
       </p:sp>
       <p:sp>
         <p:nvSpPr>
-          <p:cNvPr id="308" name="EXPOSE &lt;portno&gt;"/>
+          <p:cNvPr id="317" name="EXPOSE &lt;portno&gt;"/>
           <p:cNvSpPr txBox="1"/>
           <p:nvPr/>
         </p:nvSpPr>
@@ -8430,7 +11129,7 @@
       </p:sp>
       <p:sp>
         <p:nvSpPr>
-          <p:cNvPr id="309" name="EXPOSE"/>
+          <p:cNvPr id="318" name="EXPOSE"/>
           <p:cNvSpPr txBox="1"/>
           <p:nvPr/>
         </p:nvSpPr>
@@ -8474,7 +11173,7 @@
       </p:sp>
       <p:sp>
         <p:nvSpPr>
-          <p:cNvPr id="310" name="LABEL &lt;key&gt;=&lt;val&gt;"/>
+          <p:cNvPr id="319" name="LABEL &lt;key&gt;=&lt;val&gt;"/>
           <p:cNvSpPr txBox="1"/>
           <p:nvPr/>
         </p:nvSpPr>
@@ -8518,7 +11217,7 @@
       </p:sp>
       <p:sp>
         <p:nvSpPr>
-          <p:cNvPr id="311" name="LABEL"/>
+          <p:cNvPr id="320" name="LABEL"/>
           <p:cNvSpPr txBox="1"/>
           <p:nvPr/>
         </p:nvSpPr>
@@ -8562,7 +11261,7 @@
       </p:sp>
       <p:sp>
         <p:nvSpPr>
-          <p:cNvPr id="312" name="FROM &lt;image&gt;"/>
+          <p:cNvPr id="321" name="FROM &lt;image&gt;"/>
           <p:cNvSpPr txBox="1"/>
           <p:nvPr/>
         </p:nvSpPr>
@@ -8606,7 +11305,7 @@
       </p:sp>
       <p:sp>
         <p:nvSpPr>
-          <p:cNvPr id="313" name="FROM"/>
+          <p:cNvPr id="322" name="FROM"/>
           <p:cNvSpPr txBox="1"/>
           <p:nvPr/>
         </p:nvSpPr>
@@ -8650,7 +11349,7 @@
       </p:sp>
       <p:sp>
         <p:nvSpPr>
-          <p:cNvPr id="314" name="ARG VAR=val"/>
+          <p:cNvPr id="323" name="ARG VAR=val"/>
           <p:cNvSpPr txBox="1"/>
           <p:nvPr/>
         </p:nvSpPr>
@@ -8694,7 +11393,7 @@
       </p:sp>
       <p:sp>
         <p:nvSpPr>
-          <p:cNvPr id="315" name="ARG"/>
+          <p:cNvPr id="324" name="ARG"/>
           <p:cNvSpPr txBox="1"/>
           <p:nvPr/>
         </p:nvSpPr>
@@ -8738,7 +11437,7 @@
       </p:sp>
       <p:sp>
         <p:nvSpPr>
-          <p:cNvPr id="316" name="RUN &lt;command&gt;"/>
+          <p:cNvPr id="325" name="RUN &lt;command&gt;"/>
           <p:cNvSpPr txBox="1"/>
           <p:nvPr/>
         </p:nvSpPr>
@@ -8782,7 +11481,7 @@
       </p:sp>
       <p:sp>
         <p:nvSpPr>
-          <p:cNvPr id="317" name="RUN"/>
+          <p:cNvPr id="326" name="RUN"/>
           <p:cNvSpPr txBox="1"/>
           <p:nvPr/>
         </p:nvSpPr>
@@ -8821,6 +11520,243 @@
             <a:r>
               <a:t>RUN</a:t>
             </a:r>
+          </a:p>
+        </p:txBody>
+      </p:sp>
+      <p:sp>
+        <p:nvSpPr>
+          <p:cNvPr id="327" name="Milk"/>
+          <p:cNvSpPr/>
+          <p:nvPr/>
+        </p:nvSpPr>
+        <p:spPr>
+          <a:xfrm>
+            <a:off x="9747459" y="7276002"/>
+            <a:ext cx="754902" cy="1075430"/>
+          </a:xfrm>
+          <a:custGeom>
+            <a:avLst/>
+            <a:gdLst/>
+            <a:ahLst/>
+            <a:cxnLst>
+              <a:cxn ang="0">
+                <a:pos x="wd2" y="hd2"/>
+              </a:cxn>
+              <a:cxn ang="5400000">
+                <a:pos x="wd2" y="hd2"/>
+              </a:cxn>
+              <a:cxn ang="10800000">
+                <a:pos x="wd2" y="hd2"/>
+              </a:cxn>
+              <a:cxn ang="16200000">
+                <a:pos x="wd2" y="hd2"/>
+              </a:cxn>
+            </a:cxnLst>
+            <a:rect l="0" t="0" r="r" b="b"/>
+            <a:pathLst>
+              <a:path w="21600" h="21600" fill="norm" stroke="1" extrusionOk="0">
+                <a:moveTo>
+                  <a:pt x="8967" y="0"/>
+                </a:moveTo>
+                <a:cubicBezTo>
+                  <a:pt x="8502" y="0"/>
+                  <a:pt x="8541" y="689"/>
+                  <a:pt x="8541" y="689"/>
+                </a:cubicBezTo>
+                <a:lnTo>
+                  <a:pt x="8282" y="852"/>
+                </a:lnTo>
+                <a:lnTo>
+                  <a:pt x="8282" y="1569"/>
+                </a:lnTo>
+                <a:lnTo>
+                  <a:pt x="10155" y="1569"/>
+                </a:lnTo>
+                <a:lnTo>
+                  <a:pt x="11585" y="1569"/>
+                </a:lnTo>
+                <a:lnTo>
+                  <a:pt x="13458" y="1569"/>
+                </a:lnTo>
+                <a:lnTo>
+                  <a:pt x="13458" y="852"/>
+                </a:lnTo>
+                <a:lnTo>
+                  <a:pt x="13198" y="689"/>
+                </a:lnTo>
+                <a:cubicBezTo>
+                  <a:pt x="13198" y="689"/>
+                  <a:pt x="13237" y="0"/>
+                  <a:pt x="12772" y="0"/>
+                </a:cubicBezTo>
+                <a:cubicBezTo>
+                  <a:pt x="12598" y="0"/>
+                  <a:pt x="11988" y="0"/>
+                  <a:pt x="11419" y="0"/>
+                </a:cubicBezTo>
+                <a:cubicBezTo>
+                  <a:pt x="11419" y="0"/>
+                  <a:pt x="10890" y="0"/>
+                  <a:pt x="10320" y="0"/>
+                </a:cubicBezTo>
+                <a:cubicBezTo>
+                  <a:pt x="9752" y="0"/>
+                  <a:pt x="9141" y="0"/>
+                  <a:pt x="8967" y="0"/>
+                </a:cubicBezTo>
+                <a:close/>
+                <a:moveTo>
+                  <a:pt x="8284" y="1966"/>
+                </a:moveTo>
+                <a:cubicBezTo>
+                  <a:pt x="8108" y="1966"/>
+                  <a:pt x="7964" y="2067"/>
+                  <a:pt x="7964" y="2190"/>
+                </a:cubicBezTo>
+                <a:cubicBezTo>
+                  <a:pt x="7964" y="2314"/>
+                  <a:pt x="8106" y="2414"/>
+                  <a:pt x="8282" y="2415"/>
+                </a:cubicBezTo>
+                <a:lnTo>
+                  <a:pt x="8282" y="2810"/>
+                </a:lnTo>
+                <a:lnTo>
+                  <a:pt x="3988" y="4306"/>
+                </a:lnTo>
+                <a:cubicBezTo>
+                  <a:pt x="3619" y="4435"/>
+                  <a:pt x="3349" y="4670"/>
+                  <a:pt x="3250" y="4951"/>
+                </a:cubicBezTo>
+                <a:cubicBezTo>
+                  <a:pt x="2582" y="6845"/>
+                  <a:pt x="0" y="13956"/>
+                  <a:pt x="0" y="15559"/>
+                </a:cubicBezTo>
+                <a:cubicBezTo>
+                  <a:pt x="0" y="16075"/>
+                  <a:pt x="0" y="15431"/>
+                  <a:pt x="0" y="17687"/>
+                </a:cubicBezTo>
+                <a:cubicBezTo>
+                  <a:pt x="0" y="19942"/>
+                  <a:pt x="1664" y="21600"/>
+                  <a:pt x="3342" y="21600"/>
+                </a:cubicBezTo>
+                <a:lnTo>
+                  <a:pt x="8753" y="21600"/>
+                </a:lnTo>
+                <a:cubicBezTo>
+                  <a:pt x="9158" y="21600"/>
+                  <a:pt x="9543" y="21477"/>
+                  <a:pt x="9808" y="21262"/>
+                </a:cubicBezTo>
+                <a:lnTo>
+                  <a:pt x="9830" y="21242"/>
+                </a:lnTo>
+                <a:cubicBezTo>
+                  <a:pt x="10654" y="20431"/>
+                  <a:pt x="11119" y="20432"/>
+                  <a:pt x="11953" y="21252"/>
+                </a:cubicBezTo>
+                <a:cubicBezTo>
+                  <a:pt x="12218" y="21473"/>
+                  <a:pt x="12607" y="21600"/>
+                  <a:pt x="13018" y="21600"/>
+                </a:cubicBezTo>
+                <a:lnTo>
+                  <a:pt x="18256" y="21600"/>
+                </a:lnTo>
+                <a:cubicBezTo>
+                  <a:pt x="19804" y="21600"/>
+                  <a:pt x="21600" y="19944"/>
+                  <a:pt x="21600" y="17769"/>
+                </a:cubicBezTo>
+                <a:cubicBezTo>
+                  <a:pt x="21600" y="15052"/>
+                  <a:pt x="20408" y="8431"/>
+                  <a:pt x="19912" y="6360"/>
+                </a:cubicBezTo>
+                <a:cubicBezTo>
+                  <a:pt x="19829" y="6010"/>
+                  <a:pt x="19546" y="5701"/>
+                  <a:pt x="19129" y="5501"/>
+                </a:cubicBezTo>
+                <a:cubicBezTo>
+                  <a:pt x="17588" y="4765"/>
+                  <a:pt x="13822" y="2968"/>
+                  <a:pt x="13458" y="2808"/>
+                </a:cubicBezTo>
+                <a:lnTo>
+                  <a:pt x="13458" y="2413"/>
+                </a:lnTo>
+                <a:cubicBezTo>
+                  <a:pt x="13623" y="2405"/>
+                  <a:pt x="13753" y="2309"/>
+                  <a:pt x="13753" y="2190"/>
+                </a:cubicBezTo>
+                <a:cubicBezTo>
+                  <a:pt x="13753" y="2067"/>
+                  <a:pt x="13610" y="1966"/>
+                  <a:pt x="13434" y="1966"/>
+                </a:cubicBezTo>
+                <a:lnTo>
+                  <a:pt x="8284" y="1966"/>
+                </a:lnTo>
+                <a:close/>
+                <a:moveTo>
+                  <a:pt x="5851" y="5230"/>
+                </a:moveTo>
+                <a:cubicBezTo>
+                  <a:pt x="6377" y="5209"/>
+                  <a:pt x="6851" y="5577"/>
+                  <a:pt x="6851" y="5577"/>
+                </a:cubicBezTo>
+                <a:lnTo>
+                  <a:pt x="5659" y="11033"/>
+                </a:lnTo>
+                <a:cubicBezTo>
+                  <a:pt x="5659" y="11033"/>
+                  <a:pt x="4245" y="11663"/>
+                  <a:pt x="3945" y="10268"/>
+                </a:cubicBezTo>
+                <a:cubicBezTo>
+                  <a:pt x="3751" y="9366"/>
+                  <a:pt x="4096" y="7320"/>
+                  <a:pt x="4940" y="5849"/>
+                </a:cubicBezTo>
+                <a:cubicBezTo>
+                  <a:pt x="5202" y="5394"/>
+                  <a:pt x="5536" y="5242"/>
+                  <a:pt x="5851" y="5230"/>
+                </a:cubicBezTo>
+                <a:close/>
+              </a:path>
+            </a:pathLst>
+          </a:custGeom>
+          <a:solidFill>
+            <a:schemeClr val="accent1"/>
+          </a:solidFill>
+          <a:ln w="12700">
+            <a:miter lim="400000"/>
+          </a:ln>
+        </p:spPr>
+        <p:txBody>
+          <a:bodyPr lIns="50800" tIns="50800" rIns="50800" bIns="50800" anchor="ctr"/>
+          <a:lstStyle/>
+          <a:p>
+            <a:pPr>
+              <a:defRPr b="0" sz="2200">
+                <a:solidFill>
+                  <a:srgbClr val="FFFFFF"/>
+                </a:solidFill>
+                <a:latin typeface="+mn-lt"/>
+                <a:ea typeface="+mn-ea"/>
+                <a:cs typeface="+mn-cs"/>
+                <a:sym typeface="Helvetica Neue Medium"/>
+              </a:defRPr>
+            </a:pPr>
           </a:p>
         </p:txBody>
       </p:sp>
@@ -8852,7 +11788,7 @@
       </p:grpSpPr>
       <p:sp>
         <p:nvSpPr>
-          <p:cNvPr id="319" name="Dockerfile"/>
+          <p:cNvPr id="329" name="Dockerfile"/>
           <p:cNvSpPr txBox="1"/>
           <p:nvPr/>
         </p:nvSpPr>
@@ -8896,7 +11832,7 @@
       </p:sp>
       <p:sp>
         <p:nvSpPr>
-          <p:cNvPr id="320" name="Line"/>
+          <p:cNvPr id="330" name="Line"/>
           <p:cNvSpPr/>
           <p:nvPr/>
         </p:nvSpPr>
@@ -8938,7 +11874,7 @@
       </p:sp>
       <p:pic>
         <p:nvPicPr>
-          <p:cNvPr id="321" name="docker-logo.png" descr="docker-logo.png"/>
+          <p:cNvPr id="331" name="docker-logo.png" descr="docker-logo.png"/>
           <p:cNvPicPr>
             <a:picLocks noChangeAspect="1"/>
           </p:cNvPicPr>
@@ -8967,7 +11903,7 @@
       </p:pic>
       <p:sp>
         <p:nvSpPr>
-          <p:cNvPr id="322" name="ENTRYPOINT &lt;command&gt;"/>
+          <p:cNvPr id="332" name="ENTRYPOINT &lt;command&gt;"/>
           <p:cNvSpPr txBox="1"/>
           <p:nvPr/>
         </p:nvSpPr>
@@ -9011,7 +11947,7 @@
       </p:sp>
       <p:sp>
         <p:nvSpPr>
-          <p:cNvPr id="323" name="ENTRYPOINT"/>
+          <p:cNvPr id="333" name="ENTRYPOINT"/>
           <p:cNvSpPr txBox="1"/>
           <p:nvPr/>
         </p:nvSpPr>
@@ -9055,7 +11991,7 @@
       </p:sp>
       <p:sp>
         <p:nvSpPr>
-          <p:cNvPr id="324" name="ADD &lt;command&gt;"/>
+          <p:cNvPr id="334" name="ADD &lt;command&gt;"/>
           <p:cNvSpPr txBox="1"/>
           <p:nvPr/>
         </p:nvSpPr>
@@ -9099,7 +12035,7 @@
       </p:sp>
       <p:sp>
         <p:nvSpPr>
-          <p:cNvPr id="325" name="ADD"/>
+          <p:cNvPr id="335" name="ADD"/>
           <p:cNvSpPr txBox="1"/>
           <p:nvPr/>
         </p:nvSpPr>
@@ -9143,7 +12079,7 @@
       </p:sp>
       <p:sp>
         <p:nvSpPr>
-          <p:cNvPr id="326" name="ENV &lt;key&gt;=&lt;val&gt;"/>
+          <p:cNvPr id="336" name="ENV &lt;key&gt;=&lt;val&gt;"/>
           <p:cNvSpPr txBox="1"/>
           <p:nvPr/>
         </p:nvSpPr>
@@ -9187,7 +12123,7 @@
       </p:sp>
       <p:sp>
         <p:nvSpPr>
-          <p:cNvPr id="327" name="ENV"/>
+          <p:cNvPr id="337" name="ENV"/>
           <p:cNvSpPr txBox="1"/>
           <p:nvPr/>
         </p:nvSpPr>
@@ -9231,7 +12167,7 @@
       </p:sp>
       <p:sp>
         <p:nvSpPr>
-          <p:cNvPr id="328" name="CMD &lt;command&gt;"/>
+          <p:cNvPr id="338" name="CMD &lt;command&gt;"/>
           <p:cNvSpPr txBox="1"/>
           <p:nvPr/>
         </p:nvSpPr>
@@ -9275,7 +12211,7 @@
       </p:sp>
       <p:sp>
         <p:nvSpPr>
-          <p:cNvPr id="329" name="CMD"/>
+          <p:cNvPr id="339" name="CMD"/>
           <p:cNvSpPr txBox="1"/>
           <p:nvPr/>
         </p:nvSpPr>
@@ -9319,7 +12255,7 @@
       </p:sp>
       <p:sp>
         <p:nvSpPr>
-          <p:cNvPr id="330" name="EXPOSE &lt;portno&gt;"/>
+          <p:cNvPr id="340" name="EXPOSE &lt;portno&gt;"/>
           <p:cNvSpPr txBox="1"/>
           <p:nvPr/>
         </p:nvSpPr>
@@ -9363,7 +12299,7 @@
       </p:sp>
       <p:sp>
         <p:nvSpPr>
-          <p:cNvPr id="331" name="EXPOSE"/>
+          <p:cNvPr id="341" name="EXPOSE"/>
           <p:cNvSpPr txBox="1"/>
           <p:nvPr/>
         </p:nvSpPr>
@@ -9407,7 +12343,7 @@
       </p:sp>
       <p:sp>
         <p:nvSpPr>
-          <p:cNvPr id="332" name="LABEL &lt;key&gt;=&lt;val&gt;"/>
+          <p:cNvPr id="342" name="LABEL &lt;key&gt;=&lt;val&gt;"/>
           <p:cNvSpPr txBox="1"/>
           <p:nvPr/>
         </p:nvSpPr>
@@ -9451,7 +12387,7 @@
       </p:sp>
       <p:sp>
         <p:nvSpPr>
-          <p:cNvPr id="333" name="LABEL"/>
+          <p:cNvPr id="343" name="LABEL"/>
           <p:cNvSpPr txBox="1"/>
           <p:nvPr/>
         </p:nvSpPr>
@@ -9495,7 +12431,7 @@
       </p:sp>
       <p:sp>
         <p:nvSpPr>
-          <p:cNvPr id="334" name="FROM &lt;image&gt;"/>
+          <p:cNvPr id="344" name="FROM &lt;image&gt;"/>
           <p:cNvSpPr txBox="1"/>
           <p:nvPr/>
         </p:nvSpPr>
@@ -9539,7 +12475,7 @@
       </p:sp>
       <p:sp>
         <p:nvSpPr>
-          <p:cNvPr id="335" name="FROM"/>
+          <p:cNvPr id="345" name="FROM"/>
           <p:cNvSpPr txBox="1"/>
           <p:nvPr/>
         </p:nvSpPr>
@@ -9583,7 +12519,7 @@
       </p:sp>
       <p:sp>
         <p:nvSpPr>
-          <p:cNvPr id="336" name="ARG VAR=val"/>
+          <p:cNvPr id="346" name="ARG VAR=val"/>
           <p:cNvSpPr txBox="1"/>
           <p:nvPr/>
         </p:nvSpPr>
@@ -9627,7 +12563,7 @@
       </p:sp>
       <p:sp>
         <p:nvSpPr>
-          <p:cNvPr id="337" name="ARG"/>
+          <p:cNvPr id="347" name="ARG"/>
           <p:cNvSpPr txBox="1"/>
           <p:nvPr/>
         </p:nvSpPr>
@@ -9671,7 +12607,7 @@
       </p:sp>
       <p:sp>
         <p:nvSpPr>
-          <p:cNvPr id="338" name="RUN &lt;command&gt;"/>
+          <p:cNvPr id="348" name="RUN &lt;command&gt;"/>
           <p:cNvSpPr txBox="1"/>
           <p:nvPr/>
         </p:nvSpPr>
@@ -9715,7 +12651,7 @@
       </p:sp>
       <p:sp>
         <p:nvSpPr>
-          <p:cNvPr id="339" name="RUN"/>
+          <p:cNvPr id="349" name="RUN"/>
           <p:cNvSpPr txBox="1"/>
           <p:nvPr/>
         </p:nvSpPr>
@@ -9754,6 +12690,119 @@
             <a:r>
               <a:t>RUN</a:t>
             </a:r>
+          </a:p>
+        </p:txBody>
+      </p:sp>
+      <p:sp>
+        <p:nvSpPr>
+          <p:cNvPr id="350" name="Frying Pan"/>
+          <p:cNvSpPr/>
+          <p:nvPr/>
+        </p:nvSpPr>
+        <p:spPr>
+          <a:xfrm>
+            <a:off x="11038478" y="8613690"/>
+            <a:ext cx="1494244" cy="373945"/>
+          </a:xfrm>
+          <a:custGeom>
+            <a:avLst/>
+            <a:gdLst/>
+            <a:ahLst/>
+            <a:cxnLst>
+              <a:cxn ang="0">
+                <a:pos x="wd2" y="hd2"/>
+              </a:cxn>
+              <a:cxn ang="5400000">
+                <a:pos x="wd2" y="hd2"/>
+              </a:cxn>
+              <a:cxn ang="10800000">
+                <a:pos x="wd2" y="hd2"/>
+              </a:cxn>
+              <a:cxn ang="16200000">
+                <a:pos x="wd2" y="hd2"/>
+              </a:cxn>
+            </a:cxnLst>
+            <a:rect l="0" t="0" r="r" b="b"/>
+            <a:pathLst>
+              <a:path w="21432" h="21600" fill="norm" stroke="1" extrusionOk="0">
+                <a:moveTo>
+                  <a:pt x="21176" y="0"/>
+                </a:moveTo>
+                <a:cubicBezTo>
+                  <a:pt x="16610" y="0"/>
+                  <a:pt x="12260" y="7092"/>
+                  <a:pt x="12260" y="7092"/>
+                </a:cubicBezTo>
+                <a:lnTo>
+                  <a:pt x="153" y="7092"/>
+                </a:lnTo>
+                <a:cubicBezTo>
+                  <a:pt x="-39" y="7092"/>
+                  <a:pt x="-73" y="8588"/>
+                  <a:pt x="182" y="9124"/>
+                </a:cubicBezTo>
+                <a:cubicBezTo>
+                  <a:pt x="317" y="9408"/>
+                  <a:pt x="723" y="10127"/>
+                  <a:pt x="723" y="10127"/>
+                </a:cubicBezTo>
+                <a:lnTo>
+                  <a:pt x="1366" y="20200"/>
+                </a:lnTo>
+                <a:cubicBezTo>
+                  <a:pt x="1420" y="21039"/>
+                  <a:pt x="1557" y="21600"/>
+                  <a:pt x="1711" y="21600"/>
+                </a:cubicBezTo>
+                <a:lnTo>
+                  <a:pt x="11356" y="21600"/>
+                </a:lnTo>
+                <a:cubicBezTo>
+                  <a:pt x="11503" y="21600"/>
+                  <a:pt x="11636" y="21090"/>
+                  <a:pt x="11694" y="20301"/>
+                </a:cubicBezTo>
+                <a:cubicBezTo>
+                  <a:pt x="11855" y="18107"/>
+                  <a:pt x="12155" y="14024"/>
+                  <a:pt x="12391" y="10551"/>
+                </a:cubicBezTo>
+                <a:cubicBezTo>
+                  <a:pt x="13966" y="6767"/>
+                  <a:pt x="18069" y="2025"/>
+                  <a:pt x="21176" y="2025"/>
+                </a:cubicBezTo>
+                <a:cubicBezTo>
+                  <a:pt x="21506" y="2025"/>
+                  <a:pt x="21527" y="0"/>
+                  <a:pt x="21176" y="0"/>
+                </a:cubicBezTo>
+                <a:close/>
+              </a:path>
+            </a:pathLst>
+          </a:custGeom>
+          <a:solidFill>
+            <a:schemeClr val="accent1"/>
+          </a:solidFill>
+          <a:ln w="12700">
+            <a:miter lim="400000"/>
+          </a:ln>
+        </p:spPr>
+        <p:txBody>
+          <a:bodyPr lIns="50800" tIns="50800" rIns="50800" bIns="50800" anchor="ctr"/>
+          <a:lstStyle/>
+          <a:p>
+            <a:pPr>
+              <a:defRPr b="0" sz="2200">
+                <a:solidFill>
+                  <a:srgbClr val="FFFFFF"/>
+                </a:solidFill>
+                <a:latin typeface="+mn-lt"/>
+                <a:ea typeface="+mn-ea"/>
+                <a:cs typeface="+mn-cs"/>
+                <a:sym typeface="Helvetica Neue Medium"/>
+              </a:defRPr>
+            </a:pPr>
           </a:p>
         </p:txBody>
       </p:sp>
@@ -9785,7 +12834,7 @@
       </p:grpSpPr>
       <p:sp>
         <p:nvSpPr>
-          <p:cNvPr id="341" name="Hands On Contd."/>
+          <p:cNvPr id="352" name="Hands On Contd."/>
           <p:cNvSpPr txBox="1"/>
           <p:nvPr/>
         </p:nvSpPr>
@@ -9829,7 +12878,7 @@
       </p:sp>
       <p:sp>
         <p:nvSpPr>
-          <p:cNvPr id="342" name="Line"/>
+          <p:cNvPr id="353" name="Line"/>
           <p:cNvSpPr/>
           <p:nvPr/>
         </p:nvSpPr>
@@ -9871,7 +12920,7 @@
       </p:sp>
       <p:sp>
         <p:nvSpPr>
-          <p:cNvPr id="343" name="Adding CI/CD with Docker Images"/>
+          <p:cNvPr id="354" name="Adding CI/CD with Docker Images"/>
           <p:cNvSpPr txBox="1"/>
           <p:nvPr/>
         </p:nvSpPr>
@@ -9915,7 +12964,7 @@
       </p:sp>
       <p:pic>
         <p:nvPicPr>
-          <p:cNvPr id="344" name="docker-logo.png" descr="docker-logo.png"/>
+          <p:cNvPr id="355" name="docker-logo.png" descr="docker-logo.png"/>
           <p:cNvPicPr>
             <a:picLocks noChangeAspect="1"/>
           </p:cNvPicPr>
@@ -9944,7 +12993,7 @@
       </p:pic>
       <p:sp>
         <p:nvSpPr>
-          <p:cNvPr id="345" name="Create a simple Flask app"/>
+          <p:cNvPr id="356" name="Create a simple Flask app"/>
           <p:cNvSpPr txBox="1"/>
           <p:nvPr/>
         </p:nvSpPr>
@@ -9988,7 +13037,7 @@
       </p:sp>
       <p:sp>
         <p:nvSpPr>
-          <p:cNvPr id="346" name="Create and build Docker image"/>
+          <p:cNvPr id="357" name="Create and build Docker image"/>
           <p:cNvSpPr txBox="1"/>
           <p:nvPr/>
         </p:nvSpPr>
@@ -10032,7 +13081,7 @@
       </p:sp>
       <p:sp>
         <p:nvSpPr>
-          <p:cNvPr id="347" name="Run the Docker image"/>
+          <p:cNvPr id="358" name="Run the Docker image"/>
           <p:cNvSpPr txBox="1"/>
           <p:nvPr/>
         </p:nvSpPr>
@@ -10076,7 +13125,7 @@
       </p:sp>
       <p:sp>
         <p:nvSpPr>
-          <p:cNvPr id="348" name="Push to a registry"/>
+          <p:cNvPr id="359" name="Push to a registry"/>
           <p:cNvSpPr txBox="1"/>
           <p:nvPr/>
         </p:nvSpPr>
@@ -10120,7 +13169,7 @@
       </p:sp>
       <p:sp>
         <p:nvSpPr>
-          <p:cNvPr id="349" name="Deploy some change"/>
+          <p:cNvPr id="360" name="Deploy some change"/>
           <p:cNvSpPr txBox="1"/>
           <p:nvPr/>
         </p:nvSpPr>
@@ -10190,7 +13239,7 @@
       </p:grpSpPr>
       <p:sp>
         <p:nvSpPr>
-          <p:cNvPr id="351" name="Some Commands"/>
+          <p:cNvPr id="362" name="Some Commands"/>
           <p:cNvSpPr txBox="1"/>
           <p:nvPr/>
         </p:nvSpPr>
@@ -10234,7 +13283,7 @@
       </p:sp>
       <p:sp>
         <p:nvSpPr>
-          <p:cNvPr id="352" name="Line"/>
+          <p:cNvPr id="363" name="Line"/>
           <p:cNvSpPr/>
           <p:nvPr/>
         </p:nvSpPr>
@@ -10276,7 +13325,7 @@
       </p:sp>
       <p:pic>
         <p:nvPicPr>
-          <p:cNvPr id="353" name="docker-logo.png" descr="docker-logo.png"/>
+          <p:cNvPr id="364" name="docker-logo.png" descr="docker-logo.png"/>
           <p:cNvPicPr>
             <a:picLocks noChangeAspect="1"/>
           </p:cNvPicPr>
@@ -10305,7 +13354,7 @@
       </p:pic>
       <p:sp>
         <p:nvSpPr>
-          <p:cNvPr id="354" name="docker images"/>
+          <p:cNvPr id="365" name="docker images"/>
           <p:cNvSpPr/>
           <p:nvPr/>
         </p:nvSpPr>
@@ -10354,7 +13403,7 @@
       </p:sp>
       <p:sp>
         <p:nvSpPr>
-          <p:cNvPr id="355" name="docker run"/>
+          <p:cNvPr id="366" name="docker run"/>
           <p:cNvSpPr/>
           <p:nvPr/>
         </p:nvSpPr>
@@ -10403,7 +13452,7 @@
       </p:sp>
       <p:sp>
         <p:nvSpPr>
-          <p:cNvPr id="356" name="docker pull"/>
+          <p:cNvPr id="367" name="docker pull"/>
           <p:cNvSpPr/>
           <p:nvPr/>
         </p:nvSpPr>
@@ -10452,7 +13501,7 @@
       </p:sp>
       <p:sp>
         <p:nvSpPr>
-          <p:cNvPr id="357" name="docker push"/>
+          <p:cNvPr id="368" name="docker push"/>
           <p:cNvSpPr/>
           <p:nvPr/>
         </p:nvSpPr>
@@ -10501,7 +13550,7 @@
       </p:sp>
       <p:sp>
         <p:nvSpPr>
-          <p:cNvPr id="358" name="docker ps"/>
+          <p:cNvPr id="369" name="docker ps"/>
           <p:cNvSpPr/>
           <p:nvPr/>
         </p:nvSpPr>
@@ -10550,7 +13599,7 @@
       </p:sp>
       <p:sp>
         <p:nvSpPr>
-          <p:cNvPr id="359" name="docker stop"/>
+          <p:cNvPr id="370" name="docker stop"/>
           <p:cNvSpPr/>
           <p:nvPr/>
         </p:nvSpPr>
@@ -10599,7 +13648,7 @@
       </p:sp>
       <p:sp>
         <p:nvSpPr>
-          <p:cNvPr id="360" name="docker rm"/>
+          <p:cNvPr id="371" name="docker rm"/>
           <p:cNvSpPr/>
           <p:nvPr/>
         </p:nvSpPr>
@@ -10648,7 +13697,7 @@
       </p:sp>
       <p:sp>
         <p:nvSpPr>
-          <p:cNvPr id="361" name="docker rmi"/>
+          <p:cNvPr id="372" name="docker rmi"/>
           <p:cNvSpPr/>
           <p:nvPr/>
         </p:nvSpPr>
@@ -10697,7 +13746,7 @@
       </p:sp>
       <p:sp>
         <p:nvSpPr>
-          <p:cNvPr id="362" name="docker build"/>
+          <p:cNvPr id="373" name="docker build"/>
           <p:cNvSpPr/>
           <p:nvPr/>
         </p:nvSpPr>
@@ -10772,7 +13821,7 @@
       </p:grpSpPr>
       <p:sp>
         <p:nvSpPr>
-          <p:cNvPr id="364" name="Use Case"/>
+          <p:cNvPr id="375" name="Use Case"/>
           <p:cNvSpPr txBox="1"/>
           <p:nvPr/>
         </p:nvSpPr>
@@ -10816,7 +13865,7 @@
       </p:sp>
       <p:sp>
         <p:nvSpPr>
-          <p:cNvPr id="365" name="Line"/>
+          <p:cNvPr id="376" name="Line"/>
           <p:cNvSpPr/>
           <p:nvPr/>
         </p:nvSpPr>
@@ -10858,7 +13907,7 @@
       </p:sp>
       <p:pic>
         <p:nvPicPr>
-          <p:cNvPr id="366" name="docker-logo.png" descr="docker-logo.png"/>
+          <p:cNvPr id="377" name="docker-logo.png" descr="docker-logo.png"/>
           <p:cNvPicPr>
             <a:picLocks noChangeAspect="1"/>
           </p:cNvPicPr>
@@ -10887,7 +13936,7 @@
       </p:pic>
       <p:sp>
         <p:nvSpPr>
-          <p:cNvPr id="367" name="Quote Generator"/>
+          <p:cNvPr id="378" name="Quote Generator"/>
           <p:cNvSpPr/>
           <p:nvPr/>
         </p:nvSpPr>
@@ -10936,7 +13985,7 @@
       </p:sp>
       <p:sp>
         <p:nvSpPr>
-          <p:cNvPr id="368" name="Trader Dashboard"/>
+          <p:cNvPr id="379" name="Trader Dashboard"/>
           <p:cNvSpPr/>
           <p:nvPr/>
         </p:nvSpPr>
@@ -10985,7 +14034,7 @@
       </p:sp>
       <p:sp>
         <p:nvSpPr>
-          <p:cNvPr id="369" name="Portfolio Service"/>
+          <p:cNvPr id="380" name="Portfolio Service"/>
           <p:cNvSpPr/>
           <p:nvPr/>
         </p:nvSpPr>
@@ -11034,7 +14083,7 @@
       </p:sp>
       <p:sp>
         <p:nvSpPr>
-          <p:cNvPr id="370" name="Audit Service"/>
+          <p:cNvPr id="381" name="Audit Service"/>
           <p:cNvSpPr/>
           <p:nvPr/>
         </p:nvSpPr>
@@ -11083,7 +14132,7 @@
       </p:sp>
       <p:sp>
         <p:nvSpPr>
-          <p:cNvPr id="371" name="Migration DB"/>
+          <p:cNvPr id="382" name="Migration DB"/>
           <p:cNvSpPr/>
           <p:nvPr/>
         </p:nvSpPr>
@@ -11127,6 +14176,177 @@
             <a:r>
               <a:t>Migration DB</a:t>
             </a:r>
+          </a:p>
+        </p:txBody>
+      </p:sp>
+      <p:sp>
+        <p:nvSpPr>
+          <p:cNvPr id="383" name="Telescope"/>
+          <p:cNvSpPr/>
+          <p:nvPr/>
+        </p:nvSpPr>
+        <p:spPr>
+          <a:xfrm>
+            <a:off x="1102488" y="6374135"/>
+            <a:ext cx="1642617" cy="1963715"/>
+          </a:xfrm>
+          <a:custGeom>
+            <a:avLst/>
+            <a:gdLst/>
+            <a:ahLst/>
+            <a:cxnLst>
+              <a:cxn ang="0">
+                <a:pos x="wd2" y="hd2"/>
+              </a:cxn>
+              <a:cxn ang="5400000">
+                <a:pos x="wd2" y="hd2"/>
+              </a:cxn>
+              <a:cxn ang="10800000">
+                <a:pos x="wd2" y="hd2"/>
+              </a:cxn>
+              <a:cxn ang="16200000">
+                <a:pos x="wd2" y="hd2"/>
+              </a:cxn>
+            </a:cxnLst>
+            <a:rect l="0" t="0" r="r" b="b"/>
+            <a:pathLst>
+              <a:path w="21600" h="21600" fill="norm" stroke="1" extrusionOk="0">
+                <a:moveTo>
+                  <a:pt x="19326" y="0"/>
+                </a:moveTo>
+                <a:lnTo>
+                  <a:pt x="16276" y="1451"/>
+                </a:lnTo>
+                <a:lnTo>
+                  <a:pt x="18550" y="4798"/>
+                </a:lnTo>
+                <a:lnTo>
+                  <a:pt x="21600" y="3348"/>
+                </a:lnTo>
+                <a:lnTo>
+                  <a:pt x="19326" y="0"/>
+                </a:lnTo>
+                <a:close/>
+                <a:moveTo>
+                  <a:pt x="15925" y="2086"/>
+                </a:moveTo>
+                <a:lnTo>
+                  <a:pt x="2336" y="8535"/>
+                </a:lnTo>
+                <a:lnTo>
+                  <a:pt x="2887" y="9345"/>
+                </a:lnTo>
+                <a:lnTo>
+                  <a:pt x="1596" y="9345"/>
+                </a:lnTo>
+                <a:lnTo>
+                  <a:pt x="1001" y="8453"/>
+                </a:lnTo>
+                <a:lnTo>
+                  <a:pt x="0" y="8929"/>
+                </a:lnTo>
+                <a:lnTo>
+                  <a:pt x="978" y="10383"/>
+                </a:lnTo>
+                <a:lnTo>
+                  <a:pt x="3593" y="10383"/>
+                </a:lnTo>
+                <a:lnTo>
+                  <a:pt x="4111" y="11144"/>
+                </a:lnTo>
+                <a:lnTo>
+                  <a:pt x="9812" y="8436"/>
+                </a:lnTo>
+                <a:lnTo>
+                  <a:pt x="9812" y="10059"/>
+                </a:lnTo>
+                <a:lnTo>
+                  <a:pt x="13335" y="10059"/>
+                </a:lnTo>
+                <a:lnTo>
+                  <a:pt x="13335" y="6762"/>
+                </a:lnTo>
+                <a:lnTo>
+                  <a:pt x="17700" y="4696"/>
+                </a:lnTo>
+                <a:lnTo>
+                  <a:pt x="15925" y="2086"/>
+                </a:lnTo>
+                <a:close/>
+                <a:moveTo>
+                  <a:pt x="7753" y="10636"/>
+                </a:moveTo>
+                <a:lnTo>
+                  <a:pt x="7753" y="11932"/>
+                </a:lnTo>
+                <a:lnTo>
+                  <a:pt x="8695" y="11932"/>
+                </a:lnTo>
+                <a:lnTo>
+                  <a:pt x="3938" y="21600"/>
+                </a:lnTo>
+                <a:lnTo>
+                  <a:pt x="4852" y="21600"/>
+                </a:lnTo>
+                <a:lnTo>
+                  <a:pt x="10589" y="11932"/>
+                </a:lnTo>
+                <a:lnTo>
+                  <a:pt x="10591" y="11932"/>
+                </a:lnTo>
+                <a:lnTo>
+                  <a:pt x="10997" y="21600"/>
+                </a:lnTo>
+                <a:lnTo>
+                  <a:pt x="11911" y="21600"/>
+                </a:lnTo>
+                <a:lnTo>
+                  <a:pt x="12483" y="11983"/>
+                </a:lnTo>
+                <a:lnTo>
+                  <a:pt x="18189" y="21600"/>
+                </a:lnTo>
+                <a:lnTo>
+                  <a:pt x="19105" y="21600"/>
+                </a:lnTo>
+                <a:lnTo>
+                  <a:pt x="14348" y="11932"/>
+                </a:lnTo>
+                <a:lnTo>
+                  <a:pt x="15183" y="11932"/>
+                </a:lnTo>
+                <a:lnTo>
+                  <a:pt x="15183" y="10636"/>
+                </a:lnTo>
+                <a:lnTo>
+                  <a:pt x="7753" y="10636"/>
+                </a:lnTo>
+                <a:close/>
+              </a:path>
+            </a:pathLst>
+          </a:custGeom>
+          <a:solidFill>
+            <a:schemeClr val="accent1"/>
+          </a:solidFill>
+          <a:ln w="12700">
+            <a:miter lim="400000"/>
+          </a:ln>
+        </p:spPr>
+        <p:txBody>
+          <a:bodyPr lIns="50800" tIns="50800" rIns="50800" bIns="50800" anchor="ctr"/>
+          <a:lstStyle/>
+          <a:p>
+            <a:pPr>
+              <a:defRPr b="0" sz="2200">
+                <a:solidFill>
+                  <a:srgbClr val="FFFFFF"/>
+                </a:solidFill>
+                <a:latin typeface="+mn-lt"/>
+                <a:ea typeface="+mn-ea"/>
+                <a:cs typeface="+mn-cs"/>
+                <a:sym typeface="Helvetica Neue Medium"/>
+              </a:defRPr>
+            </a:pPr>
           </a:p>
         </p:txBody>
       </p:sp>
@@ -11158,7 +14378,7 @@
       </p:grpSpPr>
       <p:sp>
         <p:nvSpPr>
-          <p:cNvPr id="373" name="What’s Next"/>
+          <p:cNvPr id="385" name="What’s Next"/>
           <p:cNvSpPr txBox="1"/>
           <p:nvPr/>
         </p:nvSpPr>
@@ -11202,7 +14422,7 @@
       </p:sp>
       <p:sp>
         <p:nvSpPr>
-          <p:cNvPr id="374" name="Line"/>
+          <p:cNvPr id="386" name="Line"/>
           <p:cNvSpPr/>
           <p:nvPr/>
         </p:nvSpPr>
@@ -11244,7 +14464,7 @@
       </p:sp>
       <p:sp>
         <p:nvSpPr>
-          <p:cNvPr id="375" name="Kubernetes for Beginners"/>
+          <p:cNvPr id="387" name="Kubernetes for Beginners"/>
           <p:cNvSpPr txBox="1"/>
           <p:nvPr/>
         </p:nvSpPr>
@@ -11288,7 +14508,7 @@
       </p:sp>
       <p:sp>
         <p:nvSpPr>
-          <p:cNvPr id="376" name="Helm for Beginners"/>
+          <p:cNvPr id="388" name="Helm for Beginners"/>
           <p:cNvSpPr txBox="1"/>
           <p:nvPr/>
         </p:nvSpPr>
@@ -11332,7 +14552,7 @@
       </p:sp>
       <p:pic>
         <p:nvPicPr>
-          <p:cNvPr id="377" name="docker-logo.png" descr="docker-logo.png"/>
+          <p:cNvPr id="389" name="docker-logo.png" descr="docker-logo.png"/>
           <p:cNvPicPr>
             <a:picLocks noChangeAspect="1"/>
           </p:cNvPicPr>
@@ -11361,7 +14581,7 @@
       </p:pic>
       <p:pic>
         <p:nvPicPr>
-          <p:cNvPr id="378" name="helm-logo.png" descr="helm-logo.png"/>
+          <p:cNvPr id="390" name="helm-logo.png" descr="helm-logo.png"/>
           <p:cNvPicPr>
             <a:picLocks noChangeAspect="1"/>
           </p:cNvPicPr>
@@ -11390,7 +14610,7 @@
       </p:pic>
       <p:pic>
         <p:nvPicPr>
-          <p:cNvPr id="379" name="kubernetes-logo.png" descr="kubernetes-logo.png"/>
+          <p:cNvPr id="391" name="kubernetes-logo.png" descr="kubernetes-logo.png"/>
           <p:cNvPicPr>
             <a:picLocks noChangeAspect="1"/>
           </p:cNvPicPr>
@@ -11419,7 +14639,7 @@
       </p:pic>
       <p:sp>
         <p:nvSpPr>
-          <p:cNvPr id="380" name="Logo Source : https://kubernetes.io https://helm.sh"/>
+          <p:cNvPr id="392" name="Logo Source : https://kubernetes.io https://helm.sh"/>
           <p:cNvSpPr txBox="1"/>
           <p:nvPr/>
         </p:nvSpPr>
@@ -11472,7 +14692,7 @@
       </p:sp>
       <p:sp>
         <p:nvSpPr>
-          <p:cNvPr id="381" name="Docker Deep Dive"/>
+          <p:cNvPr id="393" name="Docker Deep Dive"/>
           <p:cNvSpPr txBox="1"/>
           <p:nvPr/>
         </p:nvSpPr>
@@ -11516,7 +14736,7 @@
       </p:sp>
       <p:sp>
         <p:nvSpPr>
-          <p:cNvPr id="382" name="Scuba Diving"/>
+          <p:cNvPr id="394" name="Scuba Diving"/>
           <p:cNvSpPr/>
           <p:nvPr/>
         </p:nvSpPr>
